--- a/yang-manager/reports/YangArchiAnimatedCameraReady.pptx
+++ b/yang-manager/reports/YangArchiAnimatedCameraReady.pptx
@@ -2533,439 +2533,10 @@
           <a:lstStyle/>
           <a:p>
             <a:pPr algn="just"/>
-            <a:r>
-              <a:rPr lang="en-US" sz="1000" dirty="0" err="1" smtClean="0">
-                <a:latin typeface="Times New Roman"/>
-                <a:cs typeface="Times New Roman"/>
-              </a:rPr>
-              <a:t>jYang</a:t>
-            </a:r>
-            <a:r>
-              <a:rPr lang="en-US" sz="1000" dirty="0" smtClean="0">
-                <a:latin typeface="Times New Roman"/>
-                <a:cs typeface="Times New Roman"/>
-              </a:rPr>
-              <a:t> is an</a:t>
-            </a:r>
-            <a:r>
-              <a:rPr lang="en-US" sz="1000" baseline="0" dirty="0" smtClean="0">
-                <a:latin typeface="Times New Roman"/>
-                <a:cs typeface="Times New Roman"/>
-              </a:rPr>
-              <a:t> open source parser for the YANG language. It is written in java with the </a:t>
-            </a:r>
-            <a:r>
-              <a:rPr lang="en-US" sz="1000" baseline="0" dirty="0" err="1" smtClean="0">
-                <a:latin typeface="Times New Roman"/>
-                <a:cs typeface="Times New Roman"/>
-              </a:rPr>
-              <a:t>javaCC</a:t>
-            </a:r>
-            <a:r>
-              <a:rPr lang="en-US" sz="1000" baseline="0" dirty="0" smtClean="0">
-                <a:latin typeface="Times New Roman"/>
-                <a:cs typeface="Times New Roman"/>
-              </a:rPr>
-              <a:t> library (</a:t>
-            </a:r>
-            <a:r>
-              <a:rPr lang="fr-FR" sz="1000" u="none" baseline="0" dirty="0" err="1" smtClean="0">
-                <a:latin typeface="Times New Roman"/>
-                <a:cs typeface="Times New Roman"/>
-              </a:rPr>
-              <a:t>https://javacc.dev.java.net</a:t>
-            </a:r>
-            <a:r>
-              <a:rPr lang="fr-FR" sz="1000" u="none" baseline="0" dirty="0" smtClean="0">
-                <a:latin typeface="Times New Roman"/>
-                <a:cs typeface="Times New Roman"/>
-              </a:rPr>
-              <a:t>/</a:t>
-            </a:r>
-            <a:r>
-              <a:rPr lang="fr-FR" sz="1000" baseline="0" dirty="0" smtClean="0">
-                <a:latin typeface="Times New Roman"/>
-                <a:cs typeface="Times New Roman"/>
-              </a:rPr>
-              <a:t>)</a:t>
-            </a:r>
-            <a:r>
-              <a:rPr lang="en-US" sz="1000" baseline="0" dirty="0" smtClean="0">
-                <a:latin typeface="Times New Roman"/>
-                <a:cs typeface="Times New Roman"/>
-              </a:rPr>
-              <a:t>. The parsing of one YANG data model generate other ones when a module imports or includes other module or </a:t>
-            </a:r>
-            <a:r>
-              <a:rPr lang="en-US" sz="1000" baseline="0" dirty="0" err="1" smtClean="0">
-                <a:latin typeface="Times New Roman"/>
-                <a:cs typeface="Times New Roman"/>
-              </a:rPr>
-              <a:t>submodule</a:t>
-            </a:r>
-            <a:r>
-              <a:rPr lang="en-US" sz="1000" baseline="0" dirty="0" smtClean="0">
-                <a:latin typeface="Times New Roman"/>
-                <a:cs typeface="Times New Roman"/>
-              </a:rPr>
-              <a:t>. On the example in the figure 4, the module </a:t>
-            </a:r>
-            <a:r>
-              <a:rPr lang="en-US" sz="1000" b="0" i="1" baseline="0" dirty="0" smtClean="0">
-                <a:latin typeface="Times New Roman"/>
-                <a:cs typeface="Times New Roman"/>
-              </a:rPr>
-              <a:t>a</a:t>
-            </a:r>
-            <a:r>
-              <a:rPr lang="en-US" sz="1000" baseline="0" dirty="0" smtClean="0">
-                <a:latin typeface="Times New Roman"/>
-                <a:cs typeface="Times New Roman"/>
-              </a:rPr>
-              <a:t> imports the module </a:t>
-            </a:r>
-            <a:r>
-              <a:rPr lang="en-US" sz="1000" b="0" i="1" baseline="0" dirty="0" err="1" smtClean="0">
-                <a:latin typeface="Times New Roman"/>
-                <a:cs typeface="Times New Roman"/>
-              </a:rPr>
-              <a:t>b</a:t>
-            </a:r>
-            <a:r>
-              <a:rPr lang="en-US" sz="1000" baseline="0" dirty="0" smtClean="0">
-                <a:latin typeface="Times New Roman"/>
-                <a:cs typeface="Times New Roman"/>
-              </a:rPr>
-              <a:t> and include the </a:t>
-            </a:r>
-            <a:r>
-              <a:rPr lang="en-US" sz="1000" baseline="0" dirty="0" err="1" smtClean="0">
-                <a:latin typeface="Times New Roman"/>
-                <a:cs typeface="Times New Roman"/>
-              </a:rPr>
-              <a:t>submodule</a:t>
-            </a:r>
-            <a:r>
-              <a:rPr lang="en-US" sz="1000" baseline="0" dirty="0" smtClean="0">
-                <a:latin typeface="Times New Roman"/>
-                <a:cs typeface="Times New Roman"/>
-              </a:rPr>
-              <a:t> </a:t>
-            </a:r>
-            <a:r>
-              <a:rPr lang="en-US" sz="1000" b="0" i="1" baseline="0" dirty="0" smtClean="0">
-                <a:latin typeface="Times New Roman"/>
-                <a:cs typeface="Times New Roman"/>
-              </a:rPr>
-              <a:t>sa1</a:t>
-            </a:r>
-            <a:r>
-              <a:rPr lang="en-US" sz="1000" baseline="0" dirty="0" smtClean="0">
-                <a:latin typeface="Times New Roman"/>
-                <a:cs typeface="Times New Roman"/>
-              </a:rPr>
-              <a:t>. Either the parsing finish with error listing or it produces  a java representation of the YANG data model.</a:t>
-            </a:r>
-          </a:p>
-          <a:p>
-            <a:pPr algn="just"/>
             <a:endParaRPr lang="en-US" sz="1000" baseline="0" dirty="0" smtClean="0">
               <a:latin typeface="Times New Roman"/>
               <a:cs typeface="Times New Roman"/>
             </a:endParaRPr>
-          </a:p>
-          <a:p>
-            <a:pPr algn="just"/>
-            <a:r>
-              <a:rPr lang="en-US" sz="1000" baseline="0" dirty="0" smtClean="0">
-                <a:latin typeface="Times New Roman"/>
-                <a:cs typeface="Times New Roman"/>
-              </a:rPr>
-              <a:t>Full syntax checking is done and some constraints are checked. YANG allows data modelers to express static constraints like default values or key indexing specification that can be checked at parsing time. Also when range number or string pattern defined for a type are modified by a new type (with the </a:t>
-            </a:r>
-            <a:r>
-              <a:rPr lang="en-US" sz="1000" baseline="0" dirty="0" err="1" smtClean="0">
-                <a:latin typeface="Times New Roman"/>
-                <a:cs typeface="Times New Roman"/>
-              </a:rPr>
-              <a:t>typedef</a:t>
-            </a:r>
-            <a:r>
-              <a:rPr lang="en-US" sz="1000" baseline="0" dirty="0" smtClean="0">
-                <a:latin typeface="Times New Roman"/>
-                <a:cs typeface="Times New Roman"/>
-              </a:rPr>
-              <a:t> statement). YANG allows dynamic constraints on the data value, as the conditional presence of data depending on other data values or hosting device capabilities, that obviously can not be checked at parsing time.</a:t>
-            </a:r>
-          </a:p>
-          <a:p>
-            <a:pPr algn="just"/>
-            <a:endParaRPr lang="en-US" sz="1000" baseline="0" dirty="0" smtClean="0">
-              <a:latin typeface="Times New Roman"/>
-              <a:cs typeface="Times New Roman"/>
-            </a:endParaRPr>
-          </a:p>
-          <a:p>
-            <a:pPr algn="just"/>
-            <a:r>
-              <a:rPr lang="en-US" sz="1000" baseline="0" dirty="0" smtClean="0">
-                <a:latin typeface="Times New Roman"/>
-                <a:cs typeface="Times New Roman"/>
-              </a:rPr>
-              <a:t>When no error are encountered the YANG data model is represented by what we call a </a:t>
-            </a:r>
-            <a:r>
-              <a:rPr lang="en-US" sz="1000" baseline="0" dirty="0" err="1" smtClean="0">
-                <a:latin typeface="Times New Roman"/>
-                <a:cs typeface="Times New Roman"/>
-              </a:rPr>
-              <a:t>YangTreeNode</a:t>
-            </a:r>
-            <a:r>
-              <a:rPr lang="en-US" sz="1000" baseline="0" dirty="0" smtClean="0">
-                <a:latin typeface="Times New Roman"/>
-                <a:cs typeface="Times New Roman"/>
-              </a:rPr>
-              <a:t>. This tree, build from java instances of classes shown in the figure 3, is an interpretation of YANG data model where only YANG statement describing data values are present. For example on</a:t>
-            </a:r>
-            <a:r>
-              <a:rPr lang="fr-FR" sz="1000" baseline="0" dirty="0" smtClean="0">
-                <a:latin typeface="Times New Roman"/>
-                <a:cs typeface="Times New Roman"/>
-              </a:rPr>
-              <a:t> t</a:t>
-            </a:r>
-            <a:r>
-              <a:rPr lang="en-US" sz="1000" baseline="0" dirty="0" smtClean="0">
-                <a:latin typeface="Times New Roman"/>
-                <a:cs typeface="Times New Roman"/>
-              </a:rPr>
-              <a:t>he upper part of the </a:t>
-            </a:r>
-            <a:r>
-              <a:rPr lang="en-US" sz="1000" baseline="0" dirty="0" smtClean="0">
-                <a:latin typeface="Times New Roman"/>
-                <a:cs typeface="Times New Roman"/>
-              </a:rPr>
-              <a:t>figure, </a:t>
-            </a:r>
-            <a:r>
-              <a:rPr lang="en-US" sz="1000" baseline="0" dirty="0" smtClean="0">
-                <a:latin typeface="Times New Roman"/>
-                <a:cs typeface="Times New Roman"/>
-              </a:rPr>
-              <a:t>suppose the module </a:t>
-            </a:r>
-            <a:r>
-              <a:rPr lang="en-US" sz="1000" b="0" i="1" kern="1200" baseline="0" dirty="0" err="1" smtClean="0">
-                <a:solidFill>
-                  <a:schemeClr val="tx1"/>
-                </a:solidFill>
-                <a:latin typeface="Times New Roman"/>
-                <a:ea typeface="+mn-ea"/>
-                <a:cs typeface="Times New Roman"/>
-              </a:rPr>
-              <a:t>b</a:t>
-            </a:r>
-            <a:r>
-              <a:rPr lang="en-US" sz="1000" baseline="0" dirty="0" smtClean="0">
-                <a:latin typeface="Times New Roman"/>
-                <a:cs typeface="Times New Roman"/>
-              </a:rPr>
-              <a:t> is only a grouping statement that is used by some statements in the module </a:t>
-            </a:r>
-            <a:r>
-              <a:rPr lang="en-US" sz="1000" b="0" i="1" baseline="0" dirty="0" smtClean="0">
-                <a:latin typeface="Times New Roman"/>
-                <a:cs typeface="Times New Roman"/>
-              </a:rPr>
-              <a:t>a</a:t>
-            </a:r>
-            <a:r>
-              <a:rPr lang="en-US" sz="1000" baseline="0" dirty="0" smtClean="0">
-                <a:latin typeface="Times New Roman"/>
-                <a:cs typeface="Times New Roman"/>
-              </a:rPr>
-              <a:t> (those with a dashed arrow). Then the final </a:t>
-            </a:r>
-            <a:r>
-              <a:rPr lang="en-US" sz="1000" baseline="0" dirty="0" err="1" smtClean="0">
-                <a:latin typeface="Times New Roman"/>
-                <a:cs typeface="Times New Roman"/>
-              </a:rPr>
-              <a:t>YangTreeNode</a:t>
-            </a:r>
-            <a:r>
-              <a:rPr lang="en-US" sz="1000" baseline="0" dirty="0" smtClean="0">
-                <a:latin typeface="Times New Roman"/>
-                <a:cs typeface="Times New Roman"/>
-              </a:rPr>
-              <a:t> reflects this by a tree with a full copy of all needed statements, we call </a:t>
-            </a:r>
-            <a:r>
-              <a:rPr lang="en-US" sz="1000" b="0" i="1" baseline="0" dirty="0" err="1" smtClean="0">
-                <a:latin typeface="Times New Roman"/>
-                <a:cs typeface="Times New Roman"/>
-              </a:rPr>
-              <a:t>b</a:t>
-            </a:r>
-            <a:r>
-              <a:rPr lang="en-US" sz="1000" b="0" i="1" baseline="0" dirty="0" smtClean="0">
-                <a:latin typeface="Times New Roman"/>
-                <a:cs typeface="Times New Roman"/>
-              </a:rPr>
-              <a:t>’</a:t>
-            </a:r>
-            <a:r>
-              <a:rPr lang="en-US" sz="1000" baseline="0" dirty="0" smtClean="0">
-                <a:latin typeface="Times New Roman"/>
-                <a:cs typeface="Times New Roman"/>
-              </a:rPr>
-              <a:t> and </a:t>
-            </a:r>
-            <a:r>
-              <a:rPr lang="en-US" sz="1000" b="0" i="1" baseline="0" dirty="0" err="1" smtClean="0">
-                <a:latin typeface="Times New Roman"/>
-                <a:cs typeface="Times New Roman"/>
-              </a:rPr>
-              <a:t>b</a:t>
-            </a:r>
-            <a:r>
-              <a:rPr lang="en-US" sz="1000" b="0" i="1" baseline="0" dirty="0" smtClean="0">
-                <a:latin typeface="Times New Roman"/>
-                <a:cs typeface="Times New Roman"/>
-              </a:rPr>
-              <a:t>’</a:t>
-            </a:r>
-            <a:r>
-              <a:rPr lang="en-US" sz="1000" baseline="0" dirty="0" smtClean="0">
-                <a:latin typeface="Times New Roman"/>
-                <a:cs typeface="Times New Roman"/>
-              </a:rPr>
-              <a:t>’. In the same way, when there are choice statements in the YANG data model then all cases are represented. But this is not the true for type definition because a type is not a value but is used inside a statement. </a:t>
-            </a:r>
-            <a:r>
-              <a:rPr lang="fr-FR" sz="1000" baseline="0" dirty="0" smtClean="0">
-                <a:latin typeface="Times New Roman"/>
-                <a:cs typeface="Times New Roman"/>
-              </a:rPr>
-              <a:t>I</a:t>
-            </a:r>
-            <a:r>
-              <a:rPr lang="en-US" sz="1000" baseline="0" dirty="0" err="1" smtClean="0">
-                <a:latin typeface="Times New Roman"/>
-                <a:cs typeface="Times New Roman"/>
-              </a:rPr>
-              <a:t>n</a:t>
-            </a:r>
-            <a:r>
-              <a:rPr lang="en-US" sz="1000" baseline="0" dirty="0" smtClean="0">
-                <a:latin typeface="Times New Roman"/>
-                <a:cs typeface="Times New Roman"/>
-              </a:rPr>
-              <a:t> our example the </a:t>
-            </a:r>
-            <a:r>
-              <a:rPr lang="en-US" sz="1000" baseline="0" dirty="0" err="1" smtClean="0">
-                <a:latin typeface="Times New Roman"/>
-                <a:cs typeface="Times New Roman"/>
-              </a:rPr>
-              <a:t>submodule</a:t>
-            </a:r>
-            <a:r>
-              <a:rPr lang="en-US" sz="1000" baseline="0" dirty="0" smtClean="0">
-                <a:latin typeface="Times New Roman"/>
-                <a:cs typeface="Times New Roman"/>
-              </a:rPr>
-              <a:t> sa1 is only a </a:t>
-            </a:r>
-            <a:r>
-              <a:rPr lang="en-US" sz="1000" baseline="0" dirty="0" err="1" smtClean="0">
-                <a:latin typeface="Times New Roman"/>
-                <a:cs typeface="Times New Roman"/>
-              </a:rPr>
-              <a:t>typedef</a:t>
-            </a:r>
-            <a:r>
-              <a:rPr lang="en-US" sz="1000" baseline="0" dirty="0" smtClean="0">
-                <a:latin typeface="Times New Roman"/>
-                <a:cs typeface="Times New Roman"/>
-              </a:rPr>
-              <a:t> collection and so there is no copy of them in the final tree.</a:t>
-            </a:r>
-          </a:p>
-          <a:p>
-            <a:pPr algn="just"/>
-            <a:endParaRPr lang="en-US" sz="1000" baseline="0" dirty="0" smtClean="0">
-              <a:latin typeface="Times New Roman"/>
-              <a:cs typeface="Times New Roman"/>
-            </a:endParaRPr>
-          </a:p>
-          <a:p>
-            <a:pPr algn="just"/>
-            <a:r>
-              <a:rPr lang="en-US" sz="1000" baseline="0" dirty="0" smtClean="0">
-                <a:latin typeface="Times New Roman"/>
-                <a:cs typeface="Times New Roman"/>
-              </a:rPr>
-              <a:t>The </a:t>
-            </a:r>
-            <a:r>
-              <a:rPr lang="en-US" sz="1000" baseline="0" dirty="0" err="1" smtClean="0">
-                <a:latin typeface="Times New Roman"/>
-                <a:cs typeface="Times New Roman"/>
-              </a:rPr>
-              <a:t>YangTreeNode</a:t>
-            </a:r>
-            <a:r>
-              <a:rPr lang="en-US" sz="1000" baseline="0" dirty="0" smtClean="0">
-                <a:latin typeface="Times New Roman"/>
-                <a:cs typeface="Times New Roman"/>
-              </a:rPr>
-              <a:t> is used to match the YANG data tree with raw NETCONF XML data. The YANG data tree is the hierarchy of all configuration data values in a NETCONF server. The matching process take place in the configuration manager when receiving NETCONF responses. Note the right part of the </a:t>
-            </a:r>
-            <a:r>
-              <a:rPr lang="en-US" sz="1000" baseline="0" dirty="0" smtClean="0">
-                <a:latin typeface="Times New Roman"/>
-                <a:cs typeface="Times New Roman"/>
-              </a:rPr>
-              <a:t>figure </a:t>
-            </a:r>
-            <a:r>
-              <a:rPr lang="en-US" sz="1000" baseline="0" dirty="0" smtClean="0">
-                <a:latin typeface="Times New Roman"/>
-                <a:cs typeface="Times New Roman"/>
-              </a:rPr>
-              <a:t>shows that the YANG data tree has more nodes than the </a:t>
-            </a:r>
-            <a:r>
-              <a:rPr lang="en-US" sz="1000" baseline="0" dirty="0" err="1" smtClean="0">
-                <a:latin typeface="Times New Roman"/>
-                <a:cs typeface="Times New Roman"/>
-              </a:rPr>
-              <a:t>YangTreeNode</a:t>
-            </a:r>
-            <a:r>
-              <a:rPr lang="en-US" sz="1000" baseline="0" dirty="0" smtClean="0">
-                <a:latin typeface="Times New Roman"/>
-                <a:cs typeface="Times New Roman"/>
-              </a:rPr>
-              <a:t> and these extra nodes have a common pattern. </a:t>
-            </a:r>
-            <a:r>
-              <a:rPr lang="fr-FR" sz="1000" baseline="0" dirty="0" smtClean="0">
-                <a:latin typeface="Times New Roman"/>
-                <a:cs typeface="Times New Roman"/>
-              </a:rPr>
-              <a:t>T</a:t>
-            </a:r>
-            <a:r>
-              <a:rPr lang="en-US" sz="1000" baseline="0" dirty="0" smtClean="0">
-                <a:latin typeface="Times New Roman"/>
-                <a:cs typeface="Times New Roman"/>
-              </a:rPr>
-              <a:t>his is the case when a YANG list (or leaf-list) is defined and when the YANG data tree has several entries (or values). At the opposite some data could be optional depending of the device itself, or when YANG data model has choice statements, then the YANG data tree will only have one case instantiated. </a:t>
-            </a:r>
           </a:p>
         </p:txBody>
       </p:sp>
@@ -29336,7 +28907,7 @@
         <p:spPr>
           <a:xfrm>
             <a:off x="32015" y="6356351"/>
-            <a:ext cx="1830361" cy="369332"/>
+            <a:ext cx="2917686" cy="369332"/>
           </a:xfrm>
           <a:prstGeom prst="rect">
             <a:avLst/>
@@ -29350,54 +28921,20 @@
           <a:lstStyle/>
           <a:p>
             <a:r>
+              <a:rPr lang="fr-FR" dirty="0" err="1" smtClean="0"/>
+              <a:t>Imported</a:t>
+            </a:r>
+            <a:r>
               <a:rPr lang="fr-FR" dirty="0" smtClean="0"/>
-              <a:t>I</a:t>
+              <a:t> / </a:t>
             </a:r>
             <a:r>
               <a:rPr lang="fr-FR" dirty="0" err="1" smtClean="0"/>
-              <a:t>mported</a:t>
+              <a:t>included</a:t>
             </a:r>
             <a:r>
               <a:rPr lang="fr-FR" dirty="0" smtClean="0"/>
-              <a:t> module</a:t>
-            </a:r>
-            <a:endParaRPr lang="fr-FR" dirty="0"/>
-          </a:p>
-        </p:txBody>
-      </p:sp>
-      <p:sp>
-        <p:nvSpPr>
-          <p:cNvPr id="338" name="ZoneTexte 337"/>
-          <p:cNvSpPr txBox="1"/>
-          <p:nvPr/>
-        </p:nvSpPr>
-        <p:spPr>
-          <a:xfrm>
-            <a:off x="1828183" y="6352144"/>
-            <a:ext cx="1762058" cy="369332"/>
-          </a:xfrm>
-          <a:prstGeom prst="rect">
-            <a:avLst/>
-          </a:prstGeom>
-          <a:noFill/>
-        </p:spPr>
-        <p:txBody>
-          <a:bodyPr wrap="none" rtlCol="0">
-            <a:spAutoFit/>
-          </a:bodyPr>
-          <a:lstStyle/>
-          <a:p>
-            <a:r>
-              <a:rPr lang="fr-FR" dirty="0" smtClean="0"/>
-              <a:t>I</a:t>
-            </a:r>
-            <a:r>
-              <a:rPr lang="fr-FR" dirty="0" err="1" smtClean="0"/>
-              <a:t>ncluded</a:t>
-            </a:r>
-            <a:r>
-              <a:rPr lang="fr-FR" dirty="0" smtClean="0"/>
-              <a:t> module</a:t>
+              <a:t> modules</a:t>
             </a:r>
             <a:endParaRPr lang="fr-FR" dirty="0"/>
           </a:p>

--- a/yang-manager/reports/YangArchiAnimatedCameraReady.pptx
+++ b/yang-manager/reports/YangArchiAnimatedCameraReady.pptx
@@ -1794,6 +1794,13 @@
         </dgm:presLayoutVars>
       </dgm:prSet>
       <dgm:spPr/>
+      <dgm:t>
+        <a:bodyPr/>
+        <a:lstStyle/>
+        <a:p>
+          <a:endParaRPr lang="fr-FR"/>
+        </a:p>
+      </dgm:t>
     </dgm:pt>
     <dgm:pt modelId="{2518A001-474D-614F-AF9D-2D477637D791}" type="pres">
       <dgm:prSet presAssocID="{56D06639-915F-D648-A975-31FDEC82F498}" presName="ellipse" presStyleLbl="trBgShp" presStyleIdx="0" presStyleCnt="1"/>
@@ -1840,6 +1847,13 @@
         </dgm:presLayoutVars>
       </dgm:prSet>
       <dgm:spPr/>
+      <dgm:t>
+        <a:bodyPr/>
+        <a:lstStyle/>
+        <a:p>
+          <a:endParaRPr lang="fr-FR"/>
+        </a:p>
+      </dgm:t>
     </dgm:pt>
     <dgm:pt modelId="{6E64A01A-DE57-7144-BEF7-2401D15DA71E}" type="pres">
       <dgm:prSet presAssocID="{0062EC5A-5D1C-6B4F-A354-DE2BE58DFE17}" presName="item3" presStyleLbl="node1" presStyleIdx="2" presStyleCnt="3">
@@ -1848,6 +1862,13 @@
         </dgm:presLayoutVars>
       </dgm:prSet>
       <dgm:spPr/>
+      <dgm:t>
+        <a:bodyPr/>
+        <a:lstStyle/>
+        <a:p>
+          <a:endParaRPr lang="fr-FR"/>
+        </a:p>
+      </dgm:t>
     </dgm:pt>
     <dgm:pt modelId="{0FD964F5-B42F-3749-86DD-7B5E4912E70F}" type="pres">
       <dgm:prSet presAssocID="{56D06639-915F-D648-A975-31FDEC82F498}" presName="funnel" presStyleLbl="trAlignAcc1" presStyleIdx="0" presStyleCnt="1"/>
@@ -1944,27 +1965,55 @@
         </dgm:presLayoutVars>
       </dgm:prSet>
       <dgm:spPr/>
+      <dgm:t>
+        <a:bodyPr/>
+        <a:lstStyle/>
+        <a:p>
+          <a:endParaRPr lang="fr-FR"/>
+        </a:p>
+      </dgm:t>
     </dgm:pt>
     <dgm:pt modelId="{603312FD-D8D8-DF44-B49B-CC0128581673}" type="pres">
       <dgm:prSet presAssocID="{33673844-0BF7-3A4A-B4BD-8568C2D90E9F}" presName="gear1srcNode" presStyleLbl="node1" presStyleIdx="0" presStyleCnt="1"/>
       <dgm:spPr/>
+      <dgm:t>
+        <a:bodyPr/>
+        <a:lstStyle/>
+        <a:p>
+          <a:endParaRPr lang="fr-FR"/>
+        </a:p>
+      </dgm:t>
     </dgm:pt>
     <dgm:pt modelId="{9203BDAA-55F9-2C46-9716-D125BB622DF2}" type="pres">
       <dgm:prSet presAssocID="{33673844-0BF7-3A4A-B4BD-8568C2D90E9F}" presName="gear1dstNode" presStyleLbl="node1" presStyleIdx="0" presStyleCnt="1"/>
       <dgm:spPr/>
+      <dgm:t>
+        <a:bodyPr/>
+        <a:lstStyle/>
+        <a:p>
+          <a:endParaRPr lang="fr-FR"/>
+        </a:p>
+      </dgm:t>
     </dgm:pt>
     <dgm:pt modelId="{B00E0397-AD58-0D41-9A60-BB783F91FC11}" type="pres">
       <dgm:prSet presAssocID="{443B98E3-FBB3-5344-B480-90DBE9C1D8CA}" presName="connector1" presStyleLbl="sibTrans2D1" presStyleIdx="0" presStyleCnt="1"/>
       <dgm:spPr/>
+      <dgm:t>
+        <a:bodyPr/>
+        <a:lstStyle/>
+        <a:p>
+          <a:endParaRPr lang="fr-FR"/>
+        </a:p>
+      </dgm:t>
     </dgm:pt>
   </dgm:ptLst>
   <dgm:cxnLst>
-    <dgm:cxn modelId="{9845C01B-F82D-BA4F-8B08-754D6D6C77F7}" type="presOf" srcId="{33673844-0BF7-3A4A-B4BD-8568C2D90E9F}" destId="{15261195-DE46-F442-A200-6C26E6666E79}" srcOrd="0" destOrd="0" presId="urn:microsoft.com/office/officeart/2005/8/layout/gear1"/>
-    <dgm:cxn modelId="{898390E1-D74C-024A-A699-6127B0DC0F74}" type="presOf" srcId="{CF71CBFB-B8DE-2E41-9CC3-262C30FF05C3}" destId="{5D4B9B82-05D1-674D-9645-88D5A50ACC42}" srcOrd="0" destOrd="0" presId="urn:microsoft.com/office/officeart/2005/8/layout/gear1"/>
-    <dgm:cxn modelId="{1BEEE1D6-8B73-794C-B609-1830441AD182}" type="presOf" srcId="{443B98E3-FBB3-5344-B480-90DBE9C1D8CA}" destId="{B00E0397-AD58-0D41-9A60-BB783F91FC11}" srcOrd="0" destOrd="0" presId="urn:microsoft.com/office/officeart/2005/8/layout/gear1"/>
     <dgm:cxn modelId="{F627C7A4-1949-4C4B-904F-C3C3034A2A30}" type="presOf" srcId="{33673844-0BF7-3A4A-B4BD-8568C2D90E9F}" destId="{9203BDAA-55F9-2C46-9716-D125BB622DF2}" srcOrd="2" destOrd="0" presId="urn:microsoft.com/office/officeart/2005/8/layout/gear1"/>
     <dgm:cxn modelId="{CF236EA6-C13A-B14A-9AD8-375774F5BEB9}" type="presOf" srcId="{33673844-0BF7-3A4A-B4BD-8568C2D90E9F}" destId="{603312FD-D8D8-DF44-B49B-CC0128581673}" srcOrd="1" destOrd="0" presId="urn:microsoft.com/office/officeart/2005/8/layout/gear1"/>
     <dgm:cxn modelId="{74E58FE6-7649-6241-B5B0-C24F6DFD19E5}" srcId="{CF71CBFB-B8DE-2E41-9CC3-262C30FF05C3}" destId="{33673844-0BF7-3A4A-B4BD-8568C2D90E9F}" srcOrd="0" destOrd="0" parTransId="{EC34B850-4E9A-1947-9947-90221D8C3CF7}" sibTransId="{443B98E3-FBB3-5344-B480-90DBE9C1D8CA}"/>
+    <dgm:cxn modelId="{1BEEE1D6-8B73-794C-B609-1830441AD182}" type="presOf" srcId="{443B98E3-FBB3-5344-B480-90DBE9C1D8CA}" destId="{B00E0397-AD58-0D41-9A60-BB783F91FC11}" srcOrd="0" destOrd="0" presId="urn:microsoft.com/office/officeart/2005/8/layout/gear1"/>
+    <dgm:cxn modelId="{9845C01B-F82D-BA4F-8B08-754D6D6C77F7}" type="presOf" srcId="{33673844-0BF7-3A4A-B4BD-8568C2D90E9F}" destId="{15261195-DE46-F442-A200-6C26E6666E79}" srcOrd="0" destOrd="0" presId="urn:microsoft.com/office/officeart/2005/8/layout/gear1"/>
+    <dgm:cxn modelId="{898390E1-D74C-024A-A699-6127B0DC0F74}" type="presOf" srcId="{CF71CBFB-B8DE-2E41-9CC3-262C30FF05C3}" destId="{5D4B9B82-05D1-674D-9645-88D5A50ACC42}" srcOrd="0" destOrd="0" presId="urn:microsoft.com/office/officeart/2005/8/layout/gear1"/>
     <dgm:cxn modelId="{E83DBDEB-508C-144B-8E3B-D1EC20E06E25}" type="presParOf" srcId="{5D4B9B82-05D1-674D-9645-88D5A50ACC42}" destId="{15261195-DE46-F442-A200-6C26E6666E79}" srcOrd="0" destOrd="0" presId="urn:microsoft.com/office/officeart/2005/8/layout/gear1"/>
     <dgm:cxn modelId="{7D2880F6-ABE1-9148-B89E-F48EBF31BC6F}" type="presParOf" srcId="{5D4B9B82-05D1-674D-9645-88D5A50ACC42}" destId="{603312FD-D8D8-DF44-B49B-CC0128581673}" srcOrd="1" destOrd="0" presId="urn:microsoft.com/office/officeart/2005/8/layout/gear1"/>
     <dgm:cxn modelId="{4A3A26FE-86FB-074B-A1B5-FEE816A1E024}" type="presParOf" srcId="{5D4B9B82-05D1-674D-9645-88D5A50ACC42}" destId="{9203BDAA-55F9-2C46-9716-D125BB622DF2}" srcOrd="2" destOrd="0" presId="urn:microsoft.com/office/officeart/2005/8/layout/gear1"/>
@@ -5708,7 +5757,7 @@
             <a:fld id="{69351470-D01B-924B-AB3C-0D4571B89327}" type="datetime1">
               <a:rPr lang="fr-FR" smtClean="0"/>
               <a:pPr/>
-              <a:t>27/01/10</a:t>
+              <a:t>12/02/10</a:t>
             </a:fld>
             <a:endParaRPr lang="fr-FR"/>
           </a:p>
@@ -5871,7 +5920,7 @@
             <a:fld id="{94DC8044-5188-1245-98C0-4935C45961F4}" type="datetime1">
               <a:rPr lang="fr-FR" smtClean="0"/>
               <a:pPr/>
-              <a:t>27/01/10</a:t>
+              <a:t>12/02/10</a:t>
             </a:fld>
             <a:endParaRPr lang="fr-FR"/>
           </a:p>
@@ -7625,29 +7674,7 @@
                 <a:ea typeface="+mn-ea"/>
                 <a:cs typeface="+mn-cs"/>
               </a:rPr>
-              <a:t>Yang data model describes configuration and state data for each network devices</a:t>
-            </a:r>
-            <a:r>
-              <a:rPr lang="en-US" sz="1200" kern="1200" dirty="0" smtClean="0">
-                <a:solidFill>
-                  <a:schemeClr val="tx1"/>
-                </a:solidFill>
-                <a:latin typeface="+mn-lt"/>
-                <a:ea typeface="+mn-ea"/>
-                <a:cs typeface="+mn-cs"/>
-              </a:rPr>
-              <a:t> like router </a:t>
-            </a:r>
-            <a:r>
-              <a:rPr lang="en-US" sz="1200" kern="1200" dirty="0" smtClean="0">
-                <a:solidFill>
-                  <a:schemeClr val="tx1"/>
-                </a:solidFill>
-                <a:latin typeface="+mn-lt"/>
-                <a:ea typeface="+mn-ea"/>
-                <a:cs typeface="+mn-cs"/>
-              </a:rPr>
-              <a:t>or host and services. Configuration data can be read and written but not for state data that are read only.</a:t>
+              <a:t>Yang data model describes configuration and state data for each network devices like router or host and services. Configuration data can be read and written but not for state data that are read only.</a:t>
             </a:r>
             <a:endParaRPr lang="en-GB" sz="1200" kern="1200" dirty="0" smtClean="0">
               <a:solidFill>
@@ -7668,7 +7695,18 @@
                 <a:ea typeface="+mn-ea"/>
                 <a:cs typeface="+mn-cs"/>
               </a:rPr>
-              <a:t>In a full standard framework a device must announce which </a:t>
+              <a:t>In a full standard framework a device must announce which Yang data models it implements.</a:t>
+            </a:r>
+            <a:r>
+              <a:rPr lang="en-US" sz="1200" kern="1200" baseline="0" dirty="0" smtClean="0">
+                <a:solidFill>
+                  <a:schemeClr val="tx1"/>
+                </a:solidFill>
+                <a:latin typeface="+mn-lt"/>
+                <a:ea typeface="+mn-ea"/>
+                <a:cs typeface="+mn-cs"/>
+              </a:rPr>
+              <a:t> In this example</a:t>
             </a:r>
             <a:r>
               <a:rPr lang="en-US" sz="1200" kern="1200" dirty="0" smtClean="0">
@@ -7679,7 +7717,18 @@
                 <a:ea typeface="+mn-ea"/>
                 <a:cs typeface="+mn-cs"/>
               </a:rPr>
-              <a:t>Yang data models </a:t>
+              <a:t> these two servers announce they implement an Host YANG</a:t>
+            </a:r>
+            <a:r>
+              <a:rPr lang="en-US" sz="1200" kern="1200" baseline="0" dirty="0" smtClean="0">
+                <a:solidFill>
+                  <a:schemeClr val="tx1"/>
+                </a:solidFill>
+                <a:latin typeface="+mn-lt"/>
+                <a:ea typeface="+mn-ea"/>
+                <a:cs typeface="+mn-cs"/>
+              </a:rPr>
+              <a:t> data model </a:t>
             </a:r>
             <a:r>
               <a:rPr lang="en-US" sz="1200" kern="1200" dirty="0" smtClean="0">
@@ -7690,8 +7739,10 @@
                 <a:ea typeface="+mn-ea"/>
                 <a:cs typeface="+mn-cs"/>
               </a:rPr>
-              <a:t>it </a:t>
-            </a:r>
+              <a:t>and the wireless router announce a Router model. </a:t>
+            </a:r>
+          </a:p>
+          <a:p>
             <a:r>
               <a:rPr lang="en-US" sz="1200" kern="1200" dirty="0" smtClean="0">
                 <a:solidFill>
@@ -7701,119 +7752,7 @@
                 <a:ea typeface="+mn-ea"/>
                 <a:cs typeface="+mn-cs"/>
               </a:rPr>
-              <a:t>implements.</a:t>
-            </a:r>
-            <a:r>
-              <a:rPr lang="en-US" sz="1200" kern="1200" baseline="0" dirty="0" smtClean="0">
-                <a:solidFill>
-                  <a:schemeClr val="tx1"/>
-                </a:solidFill>
-                <a:latin typeface="+mn-lt"/>
-                <a:ea typeface="+mn-ea"/>
-                <a:cs typeface="+mn-cs"/>
-              </a:rPr>
-              <a:t> In this example</a:t>
-            </a:r>
-            <a:r>
-              <a:rPr lang="en-US" sz="1200" kern="1200" dirty="0" smtClean="0">
-                <a:solidFill>
-                  <a:schemeClr val="tx1"/>
-                </a:solidFill>
-                <a:latin typeface="+mn-lt"/>
-                <a:ea typeface="+mn-ea"/>
-                <a:cs typeface="+mn-cs"/>
-              </a:rPr>
-              <a:t> </a:t>
-            </a:r>
-            <a:r>
-              <a:rPr lang="en-US" sz="1200" kern="1200" dirty="0" smtClean="0">
-                <a:solidFill>
-                  <a:schemeClr val="tx1"/>
-                </a:solidFill>
-                <a:latin typeface="+mn-lt"/>
-                <a:ea typeface="+mn-ea"/>
-                <a:cs typeface="+mn-cs"/>
-              </a:rPr>
-              <a:t>these two servers announce they implement an Host</a:t>
-            </a:r>
-            <a:r>
-              <a:rPr lang="en-US" sz="1200" kern="1200" dirty="0" smtClean="0">
-                <a:solidFill>
-                  <a:schemeClr val="tx1"/>
-                </a:solidFill>
-                <a:latin typeface="+mn-lt"/>
-                <a:ea typeface="+mn-ea"/>
-                <a:cs typeface="+mn-cs"/>
-              </a:rPr>
-              <a:t> YANG</a:t>
-            </a:r>
-            <a:r>
-              <a:rPr lang="en-US" sz="1200" kern="1200" baseline="0" dirty="0" smtClean="0">
-                <a:solidFill>
-                  <a:schemeClr val="tx1"/>
-                </a:solidFill>
-                <a:latin typeface="+mn-lt"/>
-                <a:ea typeface="+mn-ea"/>
-                <a:cs typeface="+mn-cs"/>
-              </a:rPr>
-              <a:t> data model </a:t>
-            </a:r>
-            <a:r>
-              <a:rPr lang="en-US" sz="1200" kern="1200" dirty="0" smtClean="0">
-                <a:solidFill>
-                  <a:schemeClr val="tx1"/>
-                </a:solidFill>
-                <a:latin typeface="+mn-lt"/>
-                <a:ea typeface="+mn-ea"/>
-                <a:cs typeface="+mn-cs"/>
-              </a:rPr>
-              <a:t>and </a:t>
-            </a:r>
-            <a:r>
-              <a:rPr lang="en-US" sz="1200" kern="1200" dirty="0" smtClean="0">
-                <a:solidFill>
-                  <a:schemeClr val="tx1"/>
-                </a:solidFill>
-                <a:latin typeface="+mn-lt"/>
-                <a:ea typeface="+mn-ea"/>
-                <a:cs typeface="+mn-cs"/>
-              </a:rPr>
-              <a:t>the wireless router announce a Router model.</a:t>
-            </a:r>
-            <a:r>
-              <a:rPr lang="en-US" sz="1200" kern="1200" dirty="0" smtClean="0">
-                <a:solidFill>
-                  <a:schemeClr val="tx1"/>
-                </a:solidFill>
-                <a:latin typeface="+mn-lt"/>
-                <a:ea typeface="+mn-ea"/>
-                <a:cs typeface="+mn-cs"/>
-              </a:rPr>
-              <a:t> </a:t>
-            </a:r>
-          </a:p>
-          <a:p>
-            <a:r>
-              <a:rPr lang="en-US" sz="1200" kern="1200" dirty="0" smtClean="0">
-                <a:solidFill>
-                  <a:schemeClr val="tx1"/>
-                </a:solidFill>
-                <a:latin typeface="+mn-lt"/>
-                <a:ea typeface="+mn-ea"/>
-                <a:cs typeface="+mn-cs"/>
-              </a:rPr>
-              <a:t>Host </a:t>
-            </a:r>
-            <a:r>
-              <a:rPr lang="en-US" sz="1200" kern="1200" dirty="0" smtClean="0">
-                <a:solidFill>
-                  <a:schemeClr val="tx1"/>
-                </a:solidFill>
-                <a:latin typeface="+mn-lt"/>
-                <a:ea typeface="+mn-ea"/>
-                <a:cs typeface="+mn-cs"/>
-              </a:rPr>
-              <a:t>and Router Yang data model names must be unique so configuration management application could retrieve from somewhere the Yang model to have the knowledge of conveyed data.</a:t>
+              <a:t>Host and Router Yang data model names must be unique so configuration management application could retrieve from somewhere the Yang model to have the knowledge of conveyed data.</a:t>
             </a:r>
             <a:endParaRPr lang="en-GB" sz="1200" kern="1200" dirty="0" smtClean="0">
               <a:solidFill>
@@ -9063,14 +9002,17 @@
                 <a:latin typeface="Times New Roman"/>
                 <a:cs typeface="Times New Roman"/>
               </a:rPr>
-              <a:t>This tree is first used as a YANG sp</a:t>
-            </a:r>
+              <a:t>This tree is first used as a YANG specification browser. Manager can read YANG data model like browsing a file system.</a:t>
+            </a:r>
+          </a:p>
+          <a:p>
+            <a:pPr algn="just"/>
             <a:r>
               <a:rPr lang="en-US" sz="1000" baseline="0" dirty="0" smtClean="0">
                 <a:latin typeface="Times New Roman"/>
                 <a:cs typeface="Times New Roman"/>
               </a:rPr>
-              <a:t>ecification browser. Manager can read YANG data model like browsing a file system.</a:t>
+              <a:t>The YANG schema tree is also used to find out the YANG data tree from XML Data of the NETCONF protocol.</a:t>
             </a:r>
           </a:p>
           <a:p>
@@ -9080,22 +9022,8 @@
                 <a:latin typeface="Times New Roman"/>
                 <a:cs typeface="Times New Roman"/>
               </a:rPr>
-              <a:t>The YANG schema tree is also used to find out the YANG data tree from XML Data of the NETCONF protocol.</a:t>
-            </a:r>
-          </a:p>
-          <a:p>
-            <a:pPr algn="just"/>
-            <a:r>
-              <a:rPr lang="en-US" sz="1000" baseline="0" dirty="0" smtClean="0">
-                <a:latin typeface="Times New Roman"/>
-                <a:cs typeface="Times New Roman"/>
-              </a:rPr>
               <a:t>This data tree is now the interface between manager and the configuration of its managed devices.</a:t>
             </a:r>
-            <a:endParaRPr lang="en-US" sz="1000" baseline="0" dirty="0" smtClean="0">
-              <a:latin typeface="Times New Roman"/>
-              <a:cs typeface="Times New Roman"/>
-            </a:endParaRPr>
           </a:p>
           <a:p>
             <a:pPr algn="just"/>
@@ -9173,35 +9101,21 @@
                 <a:latin typeface="Times New Roman"/>
                 <a:cs typeface="Times New Roman"/>
               </a:rPr>
-              <a:t> </a:t>
+              <a:t> is an open source implementation of the </a:t>
+            </a:r>
+            <a:r>
+              <a:rPr lang="fr-FR" sz="1000" baseline="0" dirty="0" smtClean="0">
+                <a:latin typeface="Times New Roman"/>
+                <a:cs typeface="Times New Roman"/>
+              </a:rPr>
+              <a:t>NETCONF </a:t>
             </a:r>
             <a:r>
               <a:rPr lang="en-US" sz="1000" baseline="0" dirty="0" smtClean="0">
                 <a:latin typeface="Times New Roman"/>
                 <a:cs typeface="Times New Roman"/>
               </a:rPr>
-              <a:t>is an open source implementation of the </a:t>
-            </a:r>
-            <a:r>
-              <a:rPr lang="fr-FR" sz="1000" baseline="0" dirty="0" smtClean="0">
-                <a:latin typeface="Times New Roman"/>
-                <a:cs typeface="Times New Roman"/>
-              </a:rPr>
-              <a:t>NETCONF </a:t>
-            </a:r>
-            <a:r>
-              <a:rPr lang="en-US" sz="1000" baseline="0" dirty="0" smtClean="0">
-                <a:latin typeface="Times New Roman"/>
-                <a:cs typeface="Times New Roman"/>
-              </a:rPr>
-              <a:t>server side.</a:t>
-            </a:r>
-            <a:r>
-              <a:rPr lang="en-US" sz="1000" baseline="0" dirty="0" smtClean="0">
-                <a:latin typeface="Times New Roman"/>
-                <a:cs typeface="Times New Roman"/>
-              </a:rPr>
-              <a:t> It is written in python and we are maintaining it.</a:t>
+              <a:t>server side. It is written in python and we are maintaining it.</a:t>
             </a:r>
           </a:p>
           <a:p>
@@ -10372,7 +10286,7 @@
             <a:fld id="{7F2B8709-3F46-DE42-BD3E-692D784503EE}" type="datetime1">
               <a:rPr lang="fr-FR" smtClean="0"/>
               <a:pPr/>
-              <a:t>27/01/10</a:t>
+              <a:t>12/02/10</a:t>
             </a:fld>
             <a:endParaRPr lang="fr-FR"/>
           </a:p>
@@ -10539,7 +10453,7 @@
             <a:fld id="{4EBEFD6C-C087-154D-B622-7C02A58805D5}" type="datetime1">
               <a:rPr lang="fr-FR" smtClean="0"/>
               <a:pPr/>
-              <a:t>27/01/10</a:t>
+              <a:t>12/02/10</a:t>
             </a:fld>
             <a:endParaRPr lang="fr-FR"/>
           </a:p>
@@ -10716,7 +10630,7 @@
             <a:fld id="{07D8C6FC-5D38-E240-8250-E4BC28BDE1B6}" type="datetime1">
               <a:rPr lang="fr-FR" smtClean="0"/>
               <a:pPr/>
-              <a:t>27/01/10</a:t>
+              <a:t>12/02/10</a:t>
             </a:fld>
             <a:endParaRPr lang="fr-FR"/>
           </a:p>
@@ -10883,7 +10797,7 @@
             <a:fld id="{4E2F6B51-FB45-C74D-A600-600DD287541D}" type="datetime1">
               <a:rPr lang="fr-FR" smtClean="0"/>
               <a:pPr/>
-              <a:t>27/01/10</a:t>
+              <a:t>12/02/10</a:t>
             </a:fld>
             <a:endParaRPr lang="fr-FR"/>
           </a:p>
@@ -11126,7 +11040,7 @@
             <a:fld id="{DFEE11C6-5005-A744-9B9D-B94478DE044A}" type="datetime1">
               <a:rPr lang="fr-FR" smtClean="0"/>
               <a:pPr/>
-              <a:t>27/01/10</a:t>
+              <a:t>12/02/10</a:t>
             </a:fld>
             <a:endParaRPr lang="fr-FR"/>
           </a:p>
@@ -11411,7 +11325,7 @@
             <a:fld id="{9202BA27-7F62-034A-AD65-AD2BE6700D12}" type="datetime1">
               <a:rPr lang="fr-FR" smtClean="0"/>
               <a:pPr/>
-              <a:t>27/01/10</a:t>
+              <a:t>12/02/10</a:t>
             </a:fld>
             <a:endParaRPr lang="fr-FR"/>
           </a:p>
@@ -11830,7 +11744,7 @@
             <a:fld id="{33C87D94-F7E6-1E43-8374-5AB40E5CD468}" type="datetime1">
               <a:rPr lang="fr-FR" smtClean="0"/>
               <a:pPr/>
-              <a:t>27/01/10</a:t>
+              <a:t>12/02/10</a:t>
             </a:fld>
             <a:endParaRPr lang="fr-FR"/>
           </a:p>
@@ -11945,7 +11859,7 @@
             <a:fld id="{52EA62D5-502B-6246-986C-7F1DA3AA6C60}" type="datetime1">
               <a:rPr lang="fr-FR" smtClean="0"/>
               <a:pPr/>
-              <a:t>27/01/10</a:t>
+              <a:t>12/02/10</a:t>
             </a:fld>
             <a:endParaRPr lang="fr-FR"/>
           </a:p>
@@ -12037,7 +11951,7 @@
             <a:fld id="{8A43F226-8798-FB4E-9920-C90450151C74}" type="datetime1">
               <a:rPr lang="fr-FR" smtClean="0"/>
               <a:pPr/>
-              <a:t>27/01/10</a:t>
+              <a:t>12/02/10</a:t>
             </a:fld>
             <a:endParaRPr lang="fr-FR"/>
           </a:p>
@@ -12311,7 +12225,7 @@
             <a:fld id="{F3A22977-08BB-B542-B315-0A1A944980B8}" type="datetime1">
               <a:rPr lang="fr-FR" smtClean="0"/>
               <a:pPr/>
-              <a:t>27/01/10</a:t>
+              <a:t>12/02/10</a:t>
             </a:fld>
             <a:endParaRPr lang="fr-FR"/>
           </a:p>
@@ -12561,7 +12475,7 @@
             <a:fld id="{096F2F73-03B7-8F4F-B0B3-3EA33E3C8A3F}" type="datetime1">
               <a:rPr lang="fr-FR" smtClean="0"/>
               <a:pPr/>
-              <a:t>27/01/10</a:t>
+              <a:t>12/02/10</a:t>
             </a:fld>
             <a:endParaRPr lang="fr-FR"/>
           </a:p>
@@ -12771,7 +12685,7 @@
             <a:fld id="{C1D26DE3-065C-5345-9B04-A6BA04230672}" type="datetime1">
               <a:rPr lang="fr-FR" smtClean="0"/>
               <a:pPr/>
-              <a:t>27/01/10</a:t>
+              <a:t>12/02/10</a:t>
             </a:fld>
             <a:endParaRPr lang="fr-FR"/>
           </a:p>
@@ -23750,11 +23664,7 @@
           <a:p>
             <a:r>
               <a:rPr lang="fr-FR" dirty="0" smtClean="0"/>
-              <a:t>   &lt;</a:t>
-            </a:r>
-            <a:r>
-              <a:rPr lang="fr-FR" dirty="0" smtClean="0"/>
-              <a:t>interface&gt;</a:t>
+              <a:t>   &lt;interface&gt;</a:t>
             </a:r>
           </a:p>
           <a:p>
@@ -23768,11 +23678,7 @@
             </a:r>
             <a:r>
               <a:rPr lang="fr-FR" dirty="0" smtClean="0"/>
-              <a:t>&gt;lan0</a:t>
-            </a:r>
-            <a:r>
-              <a:rPr lang="fr-FR" dirty="0" smtClean="0"/>
-              <a:t>&lt;/</a:t>
+              <a:t>&gt;lan0&lt;/</a:t>
             </a:r>
             <a:r>
               <a:rPr lang="fr-FR" dirty="0" err="1" smtClean="0"/>
@@ -23786,15 +23692,7 @@
           <a:p>
             <a:r>
               <a:rPr lang="fr-FR" dirty="0" smtClean="0"/>
-              <a:t>       &lt;mac</a:t>
-            </a:r>
-            <a:r>
-              <a:rPr lang="fr-FR" dirty="0" smtClean="0"/>
-              <a:t>&gt;FF:00:00:00:00:00&lt;</a:t>
-            </a:r>
-            <a:r>
-              <a:rPr lang="fr-FR" dirty="0" smtClean="0"/>
-              <a:t>/mac&gt;</a:t>
+              <a:t>       &lt;mac&gt;FF:00:00:00:00:00&lt;/mac&gt;</a:t>
             </a:r>
           </a:p>
           <a:p>
@@ -23824,7 +23722,6 @@
               <a:rPr lang="fr-FR" dirty="0" smtClean="0"/>
               <a:t>   &lt;/interface&gt;</a:t>
             </a:r>
-            <a:endParaRPr lang="fr-FR" dirty="0" smtClean="0"/>
           </a:p>
           <a:p>
             <a:r>
@@ -24050,11 +23947,7 @@
           <a:p>
             <a:r>
               <a:rPr lang="fr-FR" dirty="0" smtClean="0"/>
-              <a:t>   &lt;</a:t>
-            </a:r>
-            <a:r>
-              <a:rPr lang="fr-FR" dirty="0" smtClean="0"/>
-              <a:t>interface&gt;</a:t>
+              <a:t>   &lt;interface&gt;</a:t>
             </a:r>
           </a:p>
           <a:p>
@@ -24068,11 +23961,7 @@
             </a:r>
             <a:r>
               <a:rPr lang="fr-FR" dirty="0" smtClean="0"/>
-              <a:t>&gt;        &lt;</a:t>
-            </a:r>
-            <a:r>
-              <a:rPr lang="fr-FR" dirty="0" smtClean="0"/>
-              <a:t>/</a:t>
+              <a:t>&gt;        &lt;/</a:t>
             </a:r>
             <a:r>
               <a:rPr lang="fr-FR" dirty="0" err="1" smtClean="0"/>
@@ -24086,15 +23975,7 @@
           <a:p>
             <a:r>
               <a:rPr lang="fr-FR" dirty="0" smtClean="0"/>
-              <a:t>       &lt;mac</a:t>
-            </a:r>
-            <a:r>
-              <a:rPr lang="fr-FR" dirty="0" smtClean="0"/>
-              <a:t>&gt;                                 &lt;</a:t>
-            </a:r>
-            <a:r>
-              <a:rPr lang="fr-FR" dirty="0" smtClean="0"/>
-              <a:t>/mac&gt;</a:t>
+              <a:t>       &lt;mac&gt;                                 &lt;/mac&gt;</a:t>
             </a:r>
           </a:p>
           <a:p>
@@ -24108,11 +23989,7 @@
             </a:r>
             <a:r>
               <a:rPr lang="fr-FR" dirty="0" smtClean="0"/>
-              <a:t>&gt;         &lt;</a:t>
-            </a:r>
-            <a:r>
-              <a:rPr lang="fr-FR" dirty="0" smtClean="0"/>
-              <a:t>/</a:t>
+              <a:t>&gt;         &lt;/</a:t>
             </a:r>
             <a:r>
               <a:rPr lang="fr-FR" dirty="0" err="1" smtClean="0"/>
@@ -24128,7 +24005,6 @@
               <a:rPr lang="fr-FR" dirty="0" smtClean="0"/>
               <a:t>   &lt;/interface&gt;</a:t>
             </a:r>
-            <a:endParaRPr lang="fr-FR" dirty="0" smtClean="0"/>
           </a:p>
           <a:p>
             <a:r>
@@ -26524,7 +26400,17 @@
                   <a:schemeClr val="tx1"/>
                 </a:solidFill>
               </a:rPr>
-              <a:t> { type</a:t>
+              <a:t> { type yt:ip4;}</a:t>
+            </a:r>
+          </a:p>
+          <a:p>
+            <a:r>
+              <a:rPr lang="fr-FR" sz="800" dirty="0" smtClean="0">
+                <a:solidFill>
+                  <a:schemeClr val="tx1"/>
+                </a:solidFill>
+              </a:rPr>
+              <a:t>(11) </a:t>
             </a:r>
             <a:r>
               <a:rPr lang="fr-FR" sz="1100" dirty="0" smtClean="0">
@@ -26532,7 +26418,15 @@
                   <a:schemeClr val="tx1"/>
                 </a:solidFill>
               </a:rPr>
-              <a:t> yt:ip4;</a:t>
+              <a:t>			</a:t>
+            </a:r>
+            <a:r>
+              <a:rPr lang="fr-FR" sz="1100" dirty="0" err="1" smtClean="0">
+                <a:solidFill>
+                  <a:schemeClr val="tx1"/>
+                </a:solidFill>
+              </a:rPr>
+              <a:t>leaf</a:t>
             </a:r>
             <a:r>
               <a:rPr lang="fr-FR" sz="1100" dirty="0" smtClean="0">
@@ -26540,17 +26434,15 @@
                   <a:schemeClr val="tx1"/>
                 </a:solidFill>
               </a:rPr>
-              <a:t>}</a:t>
-            </a:r>
-          </a:p>
-          <a:p>
-            <a:r>
-              <a:rPr lang="fr-FR" sz="800" dirty="0" smtClean="0">
+              <a:t> </a:t>
+            </a:r>
+            <a:r>
+              <a:rPr lang="fr-FR" sz="1100" dirty="0" err="1" smtClean="0">
                 <a:solidFill>
                   <a:schemeClr val="tx1"/>
                 </a:solidFill>
               </a:rPr>
-              <a:t>(11) </a:t>
+              <a:t>mask</a:t>
             </a:r>
             <a:r>
               <a:rPr lang="fr-FR" sz="1100" dirty="0" smtClean="0">
@@ -26558,47 +26450,7 @@
                   <a:schemeClr val="tx1"/>
                 </a:solidFill>
               </a:rPr>
-              <a:t>			</a:t>
-            </a:r>
-            <a:r>
-              <a:rPr lang="fr-FR" sz="1100" dirty="0" err="1" smtClean="0">
-                <a:solidFill>
-                  <a:schemeClr val="tx1"/>
-                </a:solidFill>
-              </a:rPr>
-              <a:t>leaf</a:t>
-            </a:r>
-            <a:r>
-              <a:rPr lang="fr-FR" sz="1100" dirty="0" smtClean="0">
-                <a:solidFill>
-                  <a:schemeClr val="tx1"/>
-                </a:solidFill>
-              </a:rPr>
-              <a:t> </a:t>
-            </a:r>
-            <a:r>
-              <a:rPr lang="fr-FR" sz="1100" dirty="0" err="1" smtClean="0">
-                <a:solidFill>
-                  <a:schemeClr val="tx1"/>
-                </a:solidFill>
-              </a:rPr>
-              <a:t>mask</a:t>
-            </a:r>
-            <a:r>
-              <a:rPr lang="fr-FR" sz="1100" dirty="0" smtClean="0">
-                <a:solidFill>
-                  <a:schemeClr val="tx1"/>
-                </a:solidFill>
-              </a:rPr>
-              <a:t> {type</a:t>
-            </a:r>
-            <a:r>
-              <a:rPr lang="fr-FR" sz="1100" dirty="0" smtClean="0">
-                <a:solidFill>
-                  <a:schemeClr val="tx1"/>
-                </a:solidFill>
-              </a:rPr>
-              <a:t> yt:ip4;}</a:t>
+              <a:t> {type yt:ip4;}</a:t>
             </a:r>
           </a:p>
           <a:p>
@@ -26906,15 +26758,7 @@
                   <a:schemeClr val="tx1"/>
                 </a:solidFill>
               </a:rPr>
-              <a:t> { type </a:t>
-            </a:r>
-            <a:r>
-              <a:rPr lang="fr-FR" sz="1100" dirty="0" smtClean="0">
-                <a:solidFill>
-                  <a:schemeClr val="tx1"/>
-                </a:solidFill>
-              </a:rPr>
-              <a:t>uint32;}</a:t>
+              <a:t> { type uint32;}</a:t>
             </a:r>
           </a:p>
           <a:p>
@@ -27383,11 +27227,7 @@
             <a:p>
               <a:r>
                 <a:rPr lang="fr-FR" dirty="0" err="1" smtClean="0"/>
-                <a:t>u</a:t>
-              </a:r>
-              <a:r>
-                <a:rPr lang="fr-FR" dirty="0" err="1" smtClean="0"/>
-                <a:t>rn</a:t>
+                <a:t>urn</a:t>
               </a:r>
               <a:r>
                 <a:rPr lang="fr-FR" dirty="0" smtClean="0"/>
@@ -28363,11 +28203,7 @@
               <a:p>
                 <a:r>
                   <a:rPr lang="fr-FR" dirty="0" err="1" smtClean="0"/>
-                  <a:t>a</a:t>
-                </a:r>
-                <a:r>
-                  <a:rPr lang="fr-FR" dirty="0" err="1" smtClean="0"/>
-                  <a:t>d-type</a:t>
+                  <a:t>ad-type</a:t>
                 </a:r>
                 <a:endParaRPr lang="fr-FR" dirty="0"/>
               </a:p>
@@ -47056,11 +46892,7 @@
             </a:r>
             <a:r>
               <a:rPr lang="fr-FR" sz="1200" dirty="0" smtClean="0"/>
-              <a:t>="yang" value="interfaces"/</a:t>
-            </a:r>
-            <a:r>
-              <a:rPr lang="fr-FR" sz="1200" dirty="0" smtClean="0"/>
-              <a:t>&gt;</a:t>
+              <a:t>="yang" value="interfaces"/&gt;</a:t>
             </a:r>
           </a:p>
           <a:p>
@@ -47082,11 +46914,7 @@
             </a:r>
             <a:r>
               <a:rPr lang="fr-FR" sz="1200" dirty="0" smtClean="0"/>
-              <a:t>=</a:t>
-            </a:r>
-            <a:r>
-              <a:rPr lang="fr-FR" sz="1200" dirty="0" smtClean="0"/>
-              <a:t>"</a:t>
+              <a:t>="</a:t>
             </a:r>
             <a:r>
               <a:rPr lang="fr-FR" sz="1200" dirty="0" err="1" smtClean="0"/>
@@ -47094,33 +46922,8 @@
             </a:r>
             <a:r>
               <a:rPr lang="fr-FR" sz="1200" dirty="0" smtClean="0"/>
-              <a:t>" </a:t>
-            </a:r>
-            <a:r>
-              <a:rPr lang="fr-FR" sz="1200" dirty="0" smtClean="0"/>
-              <a:t>value</a:t>
-            </a:r>
-            <a:r>
-              <a:rPr lang="fr-FR" sz="1200" dirty="0" smtClean="0"/>
-              <a:t>= </a:t>
-            </a:r>
-            <a:r>
-              <a:rPr lang="fr-FR" sz="1200" dirty="0" smtClean="0"/>
-              <a:t>"</a:t>
-            </a:r>
-            <a:r>
-              <a:rPr lang="fr-FR" sz="1200" dirty="0" smtClean="0"/>
-              <a:t>01"</a:t>
-            </a:r>
-            <a:r>
-              <a:rPr lang="fr-FR" sz="1200" dirty="0" smtClean="0"/>
-              <a:t>/</a:t>
-            </a:r>
-            <a:r>
-              <a:rPr lang="fr-FR" sz="1200" dirty="0" smtClean="0"/>
-              <a:t>&gt;</a:t>
-            </a:r>
-            <a:endParaRPr lang="fr-FR" sz="1200" dirty="0" smtClean="0"/>
+              <a:t>" value= "01"/&gt;</a:t>
+            </a:r>
           </a:p>
           <a:p>
             <a:r>
@@ -48215,50 +48018,6 @@
       </p:grpSpPr>
       <p:sp>
         <p:nvSpPr>
-          <p:cNvPr id="68" name="Rectangle 67"/>
-          <p:cNvSpPr/>
-          <p:nvPr/>
-        </p:nvSpPr>
-        <p:spPr>
-          <a:xfrm>
-            <a:off x="2409479" y="750044"/>
-            <a:ext cx="1242068" cy="833641"/>
-          </a:xfrm>
-          <a:prstGeom prst="rect">
-            <a:avLst/>
-          </a:prstGeom>
-          <a:noFill/>
-          <a:ln>
-            <a:solidFill>
-              <a:srgbClr val="000000"/>
-            </a:solidFill>
-          </a:ln>
-        </p:spPr>
-        <p:style>
-          <a:lnRef idx="1">
-            <a:schemeClr val="accent1"/>
-          </a:lnRef>
-          <a:fillRef idx="3">
-            <a:schemeClr val="accent1"/>
-          </a:fillRef>
-          <a:effectRef idx="2">
-            <a:schemeClr val="accent1"/>
-          </a:effectRef>
-          <a:fontRef idx="minor">
-            <a:schemeClr val="lt1"/>
-          </a:fontRef>
-        </p:style>
-        <p:txBody>
-          <a:bodyPr rtlCol="0" anchor="ctr"/>
-          <a:lstStyle/>
-          <a:p>
-            <a:pPr algn="ctr"/>
-            <a:endParaRPr lang="en-US"/>
-          </a:p>
-        </p:txBody>
-      </p:sp>
-      <p:sp>
-        <p:nvSpPr>
           <p:cNvPr id="16" name="Cube 15"/>
           <p:cNvSpPr/>
           <p:nvPr/>
@@ -48348,42 +48107,6 @@
           </a:p>
         </p:txBody>
       </p:sp>
-      <p:cxnSp>
-        <p:nvCxnSpPr>
-          <p:cNvPr id="33" name="Connecteur droit avec flèche 32"/>
-          <p:cNvCxnSpPr/>
-          <p:nvPr/>
-        </p:nvCxnSpPr>
-        <p:spPr>
-          <a:xfrm rot="5400000" flipH="1" flipV="1">
-            <a:off x="4321006" y="4603719"/>
-            <a:ext cx="762003" cy="168614"/>
-          </a:xfrm>
-          <a:prstGeom prst="straightConnector1">
-            <a:avLst/>
-          </a:prstGeom>
-          <a:ln>
-            <a:solidFill>
-              <a:srgbClr val="000000"/>
-            </a:solidFill>
-            <a:tailEnd type="arrow"/>
-          </a:ln>
-        </p:spPr>
-        <p:style>
-          <a:lnRef idx="2">
-            <a:schemeClr val="accent1"/>
-          </a:lnRef>
-          <a:fillRef idx="0">
-            <a:schemeClr val="accent1"/>
-          </a:fillRef>
-          <a:effectRef idx="1">
-            <a:schemeClr val="accent1"/>
-          </a:effectRef>
-          <a:fontRef idx="minor">
-            <a:schemeClr val="tx1"/>
-          </a:fontRef>
-        </p:style>
-      </p:cxnSp>
       <p:sp>
         <p:nvSpPr>
           <p:cNvPr id="6" name="Cube 5"/>
@@ -48569,7 +48292,7 @@
         </p:nvSpPr>
         <p:spPr>
           <a:xfrm>
-            <a:off x="6879611" y="3050858"/>
+            <a:off x="6564675" y="2983585"/>
             <a:ext cx="3099326" cy="1323439"/>
           </a:xfrm>
           <a:prstGeom prst="rect">
@@ -48683,93 +48406,6 @@
           </a:p>
         </p:txBody>
       </p:sp>
-      <p:sp>
-        <p:nvSpPr>
-          <p:cNvPr id="19" name="Cylindre 18"/>
-          <p:cNvSpPr/>
-          <p:nvPr/>
-        </p:nvSpPr>
-        <p:spPr>
-          <a:xfrm>
-            <a:off x="6195675" y="5562600"/>
-            <a:ext cx="1207464" cy="952500"/>
-          </a:xfrm>
-          <a:prstGeom prst="can">
-            <a:avLst>
-              <a:gd name="adj" fmla="val 15561"/>
-            </a:avLst>
-          </a:prstGeom>
-          <a:solidFill>
-            <a:schemeClr val="bg1"/>
-          </a:solidFill>
-          <a:ln>
-            <a:solidFill>
-              <a:schemeClr val="tx1"/>
-            </a:solidFill>
-          </a:ln>
-        </p:spPr>
-        <p:style>
-          <a:lnRef idx="1">
-            <a:schemeClr val="accent1"/>
-          </a:lnRef>
-          <a:fillRef idx="3">
-            <a:schemeClr val="accent1"/>
-          </a:fillRef>
-          <a:effectRef idx="2">
-            <a:schemeClr val="accent1"/>
-          </a:effectRef>
-          <a:fontRef idx="minor">
-            <a:schemeClr val="lt1"/>
-          </a:fontRef>
-        </p:style>
-        <p:txBody>
-          <a:bodyPr rtlCol="0" anchor="ctr"/>
-          <a:lstStyle/>
-          <a:p>
-            <a:pPr algn="ctr"/>
-            <a:r>
-              <a:rPr lang="fr-FR" dirty="0" smtClean="0">
-                <a:solidFill>
-                  <a:schemeClr val="tx1"/>
-                </a:solidFill>
-              </a:rPr>
-              <a:t>YANG </a:t>
-            </a:r>
-            <a:r>
-              <a:rPr lang="fr-FR" dirty="0" err="1" smtClean="0">
-                <a:solidFill>
-                  <a:schemeClr val="tx1"/>
-                </a:solidFill>
-              </a:rPr>
-              <a:t>specs</a:t>
-            </a:r>
-            <a:r>
-              <a:rPr lang="fr-FR" dirty="0" smtClean="0">
-                <a:solidFill>
-                  <a:schemeClr val="tx1"/>
-                </a:solidFill>
-              </a:rPr>
-              <a:t>.</a:t>
-            </a:r>
-          </a:p>
-          <a:p>
-            <a:pPr algn="ctr"/>
-            <a:r>
-              <a:rPr lang="fr-FR" dirty="0" err="1" smtClean="0">
-                <a:solidFill>
-                  <a:schemeClr val="tx1"/>
-                </a:solidFill>
-              </a:rPr>
-              <a:t>repository</a:t>
-            </a:r>
-            <a:endParaRPr lang="fr-FR" dirty="0">
-              <a:solidFill>
-                <a:schemeClr val="tx1"/>
-              </a:solidFill>
-            </a:endParaRPr>
-          </a:p>
-        </p:txBody>
-      </p:sp>
       <p:cxnSp>
         <p:nvCxnSpPr>
           <p:cNvPr id="21" name="Connecteur droit avec flèche 20"/>
@@ -48806,16 +48442,155 @@
           </a:fontRef>
         </p:style>
       </p:cxnSp>
+      <p:grpSp>
+        <p:nvGrpSpPr>
+          <p:cNvPr id="29" name="Grouper 28"/>
+          <p:cNvGrpSpPr/>
+          <p:nvPr/>
+        </p:nvGrpSpPr>
+        <p:grpSpPr>
+          <a:xfrm>
+            <a:off x="5205075" y="5334000"/>
+            <a:ext cx="2198064" cy="1181100"/>
+            <a:chOff x="5205075" y="5334000"/>
+            <a:chExt cx="2198064" cy="1181100"/>
+          </a:xfrm>
+        </p:grpSpPr>
+        <p:sp>
+          <p:nvSpPr>
+            <p:cNvPr id="19" name="Cylindre 18"/>
+            <p:cNvSpPr/>
+            <p:nvPr/>
+          </p:nvSpPr>
+          <p:spPr>
+            <a:xfrm>
+              <a:off x="6195675" y="5562600"/>
+              <a:ext cx="1207464" cy="952500"/>
+            </a:xfrm>
+            <a:prstGeom prst="can">
+              <a:avLst>
+                <a:gd name="adj" fmla="val 15561"/>
+              </a:avLst>
+            </a:prstGeom>
+            <a:solidFill>
+              <a:schemeClr val="bg1"/>
+            </a:solidFill>
+            <a:ln>
+              <a:solidFill>
+                <a:schemeClr val="tx1"/>
+              </a:solidFill>
+            </a:ln>
+          </p:spPr>
+          <p:style>
+            <a:lnRef idx="1">
+              <a:schemeClr val="accent1"/>
+            </a:lnRef>
+            <a:fillRef idx="3">
+              <a:schemeClr val="accent1"/>
+            </a:fillRef>
+            <a:effectRef idx="2">
+              <a:schemeClr val="accent1"/>
+            </a:effectRef>
+            <a:fontRef idx="minor">
+              <a:schemeClr val="lt1"/>
+            </a:fontRef>
+          </p:style>
+          <p:txBody>
+            <a:bodyPr rtlCol="0" anchor="ctr"/>
+            <a:lstStyle/>
+            <a:p>
+              <a:pPr algn="ctr"/>
+              <a:r>
+                <a:rPr lang="fr-FR" dirty="0" smtClean="0">
+                  <a:solidFill>
+                    <a:schemeClr val="tx1"/>
+                  </a:solidFill>
+                </a:rPr>
+                <a:t>YANG </a:t>
+              </a:r>
+              <a:r>
+                <a:rPr lang="fr-FR" dirty="0" err="1" smtClean="0">
+                  <a:solidFill>
+                    <a:schemeClr val="tx1"/>
+                  </a:solidFill>
+                </a:rPr>
+                <a:t>specs</a:t>
+              </a:r>
+              <a:r>
+                <a:rPr lang="fr-FR" dirty="0" smtClean="0">
+                  <a:solidFill>
+                    <a:schemeClr val="tx1"/>
+                  </a:solidFill>
+                </a:rPr>
+                <a:t>.</a:t>
+              </a:r>
+            </a:p>
+            <a:p>
+              <a:pPr algn="ctr"/>
+              <a:r>
+                <a:rPr lang="fr-FR" dirty="0" err="1" smtClean="0">
+                  <a:solidFill>
+                    <a:schemeClr val="tx1"/>
+                  </a:solidFill>
+                </a:rPr>
+                <a:t>repository</a:t>
+              </a:r>
+              <a:endParaRPr lang="fr-FR" dirty="0">
+                <a:solidFill>
+                  <a:schemeClr val="tx1"/>
+                </a:solidFill>
+              </a:endParaRPr>
+            </a:p>
+          </p:txBody>
+        </p:sp>
+        <p:cxnSp>
+          <p:nvCxnSpPr>
+            <p:cNvPr id="23" name="Connecteur droit avec flèche 22"/>
+            <p:cNvCxnSpPr/>
+            <p:nvPr/>
+          </p:nvCxnSpPr>
+          <p:spPr>
+            <a:xfrm>
+              <a:off x="5205075" y="5334000"/>
+              <a:ext cx="990600" cy="685800"/>
+            </a:xfrm>
+            <a:prstGeom prst="straightConnector1">
+              <a:avLst/>
+            </a:prstGeom>
+            <a:ln>
+              <a:solidFill>
+                <a:srgbClr val="000000"/>
+              </a:solidFill>
+              <a:headEnd type="arrow"/>
+              <a:tailEnd type="arrow"/>
+            </a:ln>
+          </p:spPr>
+          <p:style>
+            <a:lnRef idx="2">
+              <a:schemeClr val="accent1"/>
+            </a:lnRef>
+            <a:fillRef idx="0">
+              <a:schemeClr val="accent1"/>
+            </a:fillRef>
+            <a:effectRef idx="1">
+              <a:schemeClr val="accent1"/>
+            </a:effectRef>
+            <a:fontRef idx="minor">
+              <a:schemeClr val="tx1"/>
+            </a:fontRef>
+          </p:style>
+        </p:cxnSp>
+      </p:grpSp>
       <p:cxnSp>
         <p:nvCxnSpPr>
-          <p:cNvPr id="23" name="Connecteur droit avec flèche 22"/>
+          <p:cNvPr id="33" name="Connecteur droit avec flèche 32"/>
           <p:cNvCxnSpPr/>
           <p:nvPr/>
         </p:nvCxnSpPr>
         <p:spPr>
-          <a:xfrm>
-            <a:off x="5205075" y="5334000"/>
-            <a:ext cx="990600" cy="685800"/>
+          <a:xfrm rot="5400000" flipH="1" flipV="1">
+            <a:off x="4462407" y="4745118"/>
+            <a:ext cx="479204" cy="168616"/>
           </a:xfrm>
           <a:prstGeom prst="straightConnector1">
             <a:avLst/>
@@ -48824,7 +48599,6 @@
             <a:solidFill>
               <a:srgbClr val="000000"/>
             </a:solidFill>
-            <a:headEnd type="arrow"/>
             <a:tailEnd type="arrow"/>
           </a:ln>
         </p:spPr>
@@ -48852,12 +48626,14 @@
         <p:spPr>
           <a:xfrm>
             <a:off x="4292190" y="3980224"/>
-            <a:ext cx="1486516" cy="609600"/>
+            <a:ext cx="1362311" cy="609600"/>
           </a:xfrm>
           <a:prstGeom prst="ellipse">
             <a:avLst/>
           </a:prstGeom>
-          <a:noFill/>
+          <a:solidFill>
+            <a:schemeClr val="bg1"/>
+          </a:solidFill>
           <a:ln>
             <a:solidFill>
               <a:srgbClr val="000000"/>
@@ -48923,79 +48699,6 @@
           </a:p>
         </p:txBody>
       </p:sp>
-      <p:cxnSp>
-        <p:nvCxnSpPr>
-          <p:cNvPr id="32" name="Connecteur droit avec flèche 31"/>
-          <p:cNvCxnSpPr/>
-          <p:nvPr/>
-        </p:nvCxnSpPr>
-        <p:spPr>
-          <a:xfrm rot="16200000" flipV="1">
-            <a:off x="4741098" y="4730326"/>
-            <a:ext cx="350107" cy="247649"/>
-          </a:xfrm>
-          <a:prstGeom prst="straightConnector1">
-            <a:avLst/>
-          </a:prstGeom>
-          <a:ln>
-            <a:solidFill>
-              <a:srgbClr val="000000"/>
-            </a:solidFill>
-            <a:tailEnd type="arrow"/>
-          </a:ln>
-        </p:spPr>
-        <p:style>
-          <a:lnRef idx="2">
-            <a:schemeClr val="accent1"/>
-          </a:lnRef>
-          <a:fillRef idx="0">
-            <a:schemeClr val="accent1"/>
-          </a:fillRef>
-          <a:effectRef idx="1">
-            <a:schemeClr val="accent1"/>
-          </a:effectRef>
-          <a:fontRef idx="minor">
-            <a:schemeClr val="tx1"/>
-          </a:fontRef>
-        </p:style>
-      </p:cxnSp>
-      <p:cxnSp>
-        <p:nvCxnSpPr>
-          <p:cNvPr id="39" name="Connecteur droit avec flèche 38"/>
-          <p:cNvCxnSpPr/>
-          <p:nvPr/>
-        </p:nvCxnSpPr>
-        <p:spPr>
-          <a:xfrm rot="16200000" flipH="1">
-            <a:off x="4707026" y="3571451"/>
-            <a:ext cx="830998" cy="165099"/>
-          </a:xfrm>
-          <a:prstGeom prst="straightConnector1">
-            <a:avLst/>
-          </a:prstGeom>
-          <a:ln>
-            <a:solidFill>
-              <a:srgbClr val="000000"/>
-            </a:solidFill>
-            <a:headEnd type="arrow"/>
-            <a:tailEnd type="arrow"/>
-          </a:ln>
-        </p:spPr>
-        <p:style>
-          <a:lnRef idx="2">
-            <a:schemeClr val="accent1"/>
-          </a:lnRef>
-          <a:fillRef idx="0">
-            <a:schemeClr val="accent1"/>
-          </a:fillRef>
-          <a:effectRef idx="1">
-            <a:schemeClr val="accent1"/>
-          </a:effectRef>
-          <a:fontRef idx="minor">
-            <a:schemeClr val="tx1"/>
-          </a:fontRef>
-        </p:style>
-      </p:cxnSp>
       <p:pic>
         <p:nvPicPr>
           <p:cNvPr id="25" name="Image 24" descr="black-server-128x128.png"/>
@@ -49131,7 +48834,7 @@
               <a:srgbClr val="000000"/>
             </a:solidFill>
             <a:headEnd type="arrow"/>
-            <a:tailEnd type="none"/>
+            <a:tailEnd type="arrow"/>
           </a:ln>
         </p:spPr>
         <p:style>
@@ -49216,141 +48919,95 @@
           <a:effectLst/>
         </p:spPr>
       </p:pic>
-      <p:cxnSp>
-        <p:nvCxnSpPr>
-          <p:cNvPr id="58" name="Connecteur en arc 57"/>
-          <p:cNvCxnSpPr>
-            <a:stCxn id="26" idx="3"/>
-            <a:endCxn id="7" idx="3"/>
-          </p:cNvCxnSpPr>
+      <p:grpSp>
+        <p:nvGrpSpPr>
+          <p:cNvPr id="34" name="Grouper 33"/>
+          <p:cNvGrpSpPr/>
           <p:nvPr/>
-        </p:nvCxnSpPr>
-        <p:spPr>
-          <a:xfrm rot="5400000" flipH="1" flipV="1">
-            <a:off x="3399367" y="3282217"/>
-            <a:ext cx="2328850" cy="107815"/>
+        </p:nvGrpSpPr>
+        <p:grpSpPr>
+          <a:xfrm>
+            <a:off x="2057400" y="607082"/>
+            <a:ext cx="1683499" cy="1076346"/>
+            <a:chOff x="2057400" y="607082"/>
+            <a:chExt cx="1683499" cy="976603"/>
           </a:xfrm>
-          <a:prstGeom prst="curvedConnector5">
-            <a:avLst>
-              <a:gd name="adj1" fmla="val -9816"/>
-              <a:gd name="adj2" fmla="val -1388880"/>
-              <a:gd name="adj3" fmla="val 65005"/>
-            </a:avLst>
-          </a:prstGeom>
-          <a:ln>
-            <a:solidFill>
-              <a:srgbClr val="000000"/>
-            </a:solidFill>
-            <a:tailEnd type="arrow"/>
-          </a:ln>
-        </p:spPr>
-        <p:style>
-          <a:lnRef idx="2">
-            <a:schemeClr val="accent1"/>
-          </a:lnRef>
-          <a:fillRef idx="0">
-            <a:schemeClr val="accent1"/>
-          </a:fillRef>
-          <a:effectRef idx="1">
-            <a:schemeClr val="accent1"/>
-          </a:effectRef>
-          <a:fontRef idx="minor">
-            <a:schemeClr val="tx1"/>
-          </a:fontRef>
-        </p:style>
-      </p:cxnSp>
-      <p:sp>
-        <p:nvSpPr>
-          <p:cNvPr id="66" name="Ellipse 65"/>
-          <p:cNvSpPr/>
-          <p:nvPr/>
-        </p:nvSpPr>
-        <p:spPr>
-          <a:xfrm>
-            <a:off x="2409479" y="1172649"/>
-            <a:ext cx="1242068" cy="369332"/>
-          </a:xfrm>
-          <a:prstGeom prst="ellipse">
-            <a:avLst/>
-          </a:prstGeom>
-          <a:solidFill>
-            <a:schemeClr val="bg1"/>
-          </a:solidFill>
-          <a:ln>
-            <a:solidFill>
-              <a:srgbClr val="000000"/>
-            </a:solidFill>
-          </a:ln>
-        </p:spPr>
-        <p:style>
-          <a:lnRef idx="1">
-            <a:schemeClr val="accent1"/>
-          </a:lnRef>
-          <a:fillRef idx="3">
-            <a:schemeClr val="accent1"/>
-          </a:fillRef>
-          <a:effectRef idx="2">
-            <a:schemeClr val="accent1"/>
-          </a:effectRef>
-          <a:fontRef idx="minor">
-            <a:schemeClr val="lt1"/>
-          </a:fontRef>
-        </p:style>
-        <p:txBody>
-          <a:bodyPr rtlCol="0" anchor="ctr"/>
-          <a:lstStyle/>
-          <a:p>
-            <a:pPr algn="ctr">
-              <a:lnSpc>
-                <a:spcPts val="1380"/>
-              </a:lnSpc>
-            </a:pPr>
-            <a:r>
-              <a:rPr lang="fr-FR" sz="900" dirty="0" err="1" smtClean="0">
-                <a:solidFill>
-                  <a:schemeClr val="tx1"/>
-                </a:solidFill>
-              </a:rPr>
-              <a:t>YangTreeNode</a:t>
-            </a:r>
-            <a:endParaRPr lang="fr-FR" sz="900" dirty="0">
+        </p:grpSpPr>
+        <p:sp>
+          <p:nvSpPr>
+            <p:cNvPr id="68" name="Rectangle 67"/>
+            <p:cNvSpPr/>
+            <p:nvPr/>
+          </p:nvSpPr>
+          <p:spPr>
+            <a:xfrm>
+              <a:off x="2057400" y="678832"/>
+              <a:ext cx="1683499" cy="904853"/>
+            </a:xfrm>
+            <a:prstGeom prst="rect">
+              <a:avLst/>
+            </a:prstGeom>
+            <a:noFill/>
+            <a:ln>
               <a:solidFill>
-                <a:schemeClr val="tx1"/>
+                <a:srgbClr val="000000"/>
               </a:solidFill>
-            </a:endParaRPr>
-          </a:p>
-        </p:txBody>
-      </p:sp>
-      <p:sp>
-        <p:nvSpPr>
-          <p:cNvPr id="67" name="ZoneTexte 66"/>
-          <p:cNvSpPr txBox="1"/>
-          <p:nvPr/>
-        </p:nvSpPr>
-        <p:spPr>
-          <a:xfrm>
-            <a:off x="2409479" y="803317"/>
-            <a:ext cx="787395" cy="369332"/>
-          </a:xfrm>
-          <a:prstGeom prst="rect">
-            <a:avLst/>
-          </a:prstGeom>
-          <a:noFill/>
-        </p:spPr>
-        <p:txBody>
-          <a:bodyPr wrap="none" rtlCol="0">
-            <a:spAutoFit/>
-          </a:bodyPr>
-          <a:lstStyle/>
-          <a:p>
-            <a:r>
-              <a:rPr lang="en-US" dirty="0" smtClean="0"/>
-              <a:t>applet</a:t>
-            </a:r>
-            <a:endParaRPr lang="en-US" dirty="0"/>
-          </a:p>
-        </p:txBody>
-      </p:sp>
+            </a:ln>
+          </p:spPr>
+          <p:style>
+            <a:lnRef idx="1">
+              <a:schemeClr val="accent1"/>
+            </a:lnRef>
+            <a:fillRef idx="3">
+              <a:schemeClr val="accent1"/>
+            </a:fillRef>
+            <a:effectRef idx="2">
+              <a:schemeClr val="accent1"/>
+            </a:effectRef>
+            <a:fontRef idx="minor">
+              <a:schemeClr val="lt1"/>
+            </a:fontRef>
+          </p:style>
+          <p:txBody>
+            <a:bodyPr rtlCol="0" anchor="ctr"/>
+            <a:lstStyle/>
+            <a:p>
+              <a:pPr algn="ctr"/>
+              <a:endParaRPr lang="en-US"/>
+            </a:p>
+          </p:txBody>
+        </p:sp>
+        <p:sp>
+          <p:nvSpPr>
+            <p:cNvPr id="67" name="ZoneTexte 66"/>
+            <p:cNvSpPr txBox="1"/>
+            <p:nvPr/>
+          </p:nvSpPr>
+          <p:spPr>
+            <a:xfrm>
+              <a:off x="2514600" y="607082"/>
+              <a:ext cx="787395" cy="335107"/>
+            </a:xfrm>
+            <a:prstGeom prst="rect">
+              <a:avLst/>
+            </a:prstGeom>
+            <a:noFill/>
+          </p:spPr>
+          <p:txBody>
+            <a:bodyPr wrap="square" rtlCol="0">
+              <a:spAutoFit/>
+            </a:bodyPr>
+            <a:lstStyle/>
+            <a:p>
+              <a:r>
+                <a:rPr lang="en-US" dirty="0" smtClean="0"/>
+                <a:t>applet</a:t>
+              </a:r>
+              <a:endParaRPr lang="en-US" dirty="0"/>
+            </a:p>
+          </p:txBody>
+        </p:sp>
+      </p:grpSp>
       <p:sp>
         <p:nvSpPr>
           <p:cNvPr id="73" name="ZoneTexte 72"/>
@@ -49456,6 +49113,220 @@
           </a:p>
         </p:txBody>
       </p:sp>
+      <p:sp>
+        <p:nvSpPr>
+          <p:cNvPr id="41" name="Parchemin vertical 40"/>
+          <p:cNvSpPr/>
+          <p:nvPr/>
+        </p:nvSpPr>
+        <p:spPr>
+          <a:xfrm>
+            <a:off x="4975512" y="1683428"/>
+            <a:ext cx="903625" cy="885504"/>
+          </a:xfrm>
+          <a:prstGeom prst="verticalScroll">
+            <a:avLst/>
+          </a:prstGeom>
+          <a:solidFill>
+            <a:schemeClr val="bg1"/>
+          </a:solidFill>
+          <a:ln>
+            <a:solidFill>
+              <a:srgbClr val="000000"/>
+            </a:solidFill>
+          </a:ln>
+        </p:spPr>
+        <p:style>
+          <a:lnRef idx="1">
+            <a:schemeClr val="accent1"/>
+          </a:lnRef>
+          <a:fillRef idx="3">
+            <a:schemeClr val="accent1"/>
+          </a:fillRef>
+          <a:effectRef idx="2">
+            <a:schemeClr val="accent1"/>
+          </a:effectRef>
+          <a:fontRef idx="minor">
+            <a:schemeClr val="lt1"/>
+          </a:fontRef>
+        </p:style>
+        <p:txBody>
+          <a:bodyPr rtlCol="0" anchor="ctr"/>
+          <a:lstStyle/>
+          <a:p>
+            <a:pPr algn="ctr"/>
+            <a:r>
+              <a:rPr lang="fr-FR" sz="1200" dirty="0" err="1" smtClean="0">
+                <a:solidFill>
+                  <a:schemeClr val="tx1"/>
+                </a:solidFill>
+              </a:rPr>
+              <a:t>Device</a:t>
+            </a:r>
+            <a:endParaRPr lang="fr-FR" sz="1200" dirty="0">
+              <a:solidFill>
+                <a:schemeClr val="tx1"/>
+              </a:solidFill>
+            </a:endParaRPr>
+          </a:p>
+        </p:txBody>
+      </p:sp>
+      <p:sp>
+        <p:nvSpPr>
+          <p:cNvPr id="42" name="Parchemin vertical 41"/>
+          <p:cNvSpPr/>
+          <p:nvPr/>
+        </p:nvSpPr>
+        <p:spPr>
+          <a:xfrm>
+            <a:off x="1043932" y="1462607"/>
+            <a:ext cx="838199" cy="694895"/>
+          </a:xfrm>
+          <a:prstGeom prst="verticalScroll">
+            <a:avLst/>
+          </a:prstGeom>
+          <a:solidFill>
+            <a:schemeClr val="bg1"/>
+          </a:solidFill>
+          <a:ln>
+            <a:solidFill>
+              <a:srgbClr val="000000"/>
+            </a:solidFill>
+          </a:ln>
+        </p:spPr>
+        <p:style>
+          <a:lnRef idx="1">
+            <a:schemeClr val="accent1"/>
+          </a:lnRef>
+          <a:fillRef idx="3">
+            <a:schemeClr val="accent1"/>
+          </a:fillRef>
+          <a:effectRef idx="2">
+            <a:schemeClr val="accent1"/>
+          </a:effectRef>
+          <a:fontRef idx="minor">
+            <a:schemeClr val="lt1"/>
+          </a:fontRef>
+        </p:style>
+        <p:txBody>
+          <a:bodyPr rtlCol="0" anchor="ctr"/>
+          <a:lstStyle/>
+          <a:p>
+            <a:pPr algn="ctr"/>
+            <a:r>
+              <a:rPr lang="fr-FR" sz="1200" dirty="0" err="1" smtClean="0">
+                <a:solidFill>
+                  <a:schemeClr val="tx1"/>
+                </a:solidFill>
+              </a:rPr>
+              <a:t>Device</a:t>
+            </a:r>
+            <a:endParaRPr lang="fr-FR" sz="1200" dirty="0">
+              <a:solidFill>
+                <a:schemeClr val="tx1"/>
+              </a:solidFill>
+            </a:endParaRPr>
+          </a:p>
+        </p:txBody>
+      </p:sp>
+      <p:sp>
+        <p:nvSpPr>
+          <p:cNvPr id="45" name="ZoneTexte 44"/>
+          <p:cNvSpPr txBox="1"/>
+          <p:nvPr/>
+        </p:nvSpPr>
+        <p:spPr>
+          <a:xfrm>
+            <a:off x="8853901" y="2798919"/>
+            <a:ext cx="810100" cy="369332"/>
+          </a:xfrm>
+          <a:prstGeom prst="rect">
+            <a:avLst/>
+          </a:prstGeom>
+          <a:noFill/>
+        </p:spPr>
+        <p:txBody>
+          <a:bodyPr wrap="none" rtlCol="0">
+            <a:spAutoFit/>
+          </a:bodyPr>
+          <a:lstStyle/>
+          <a:p>
+            <a:r>
+              <a:rPr lang="fr-FR" dirty="0" err="1" smtClean="0"/>
+              <a:t>Device</a:t>
+            </a:r>
+            <a:endParaRPr lang="fr-FR" dirty="0"/>
+          </a:p>
+        </p:txBody>
+      </p:sp>
+      <p:cxnSp>
+        <p:nvCxnSpPr>
+          <p:cNvPr id="47" name="Connecteur droit avec flèche 46"/>
+          <p:cNvCxnSpPr>
+            <a:stCxn id="6" idx="4"/>
+          </p:cNvCxnSpPr>
+          <p:nvPr/>
+        </p:nvCxnSpPr>
+        <p:spPr>
+          <a:xfrm flipV="1">
+            <a:off x="5268575" y="2609850"/>
+            <a:ext cx="2656225" cy="228600"/>
+          </a:xfrm>
+          <a:prstGeom prst="straightConnector1">
+            <a:avLst/>
+          </a:prstGeom>
+          <a:ln>
+            <a:solidFill>
+              <a:srgbClr val="000000"/>
+            </a:solidFill>
+            <a:tailEnd type="arrow"/>
+          </a:ln>
+        </p:spPr>
+        <p:style>
+          <a:lnRef idx="2">
+            <a:schemeClr val="accent1"/>
+          </a:lnRef>
+          <a:fillRef idx="0">
+            <a:schemeClr val="accent1"/>
+          </a:fillRef>
+          <a:effectRef idx="1">
+            <a:schemeClr val="accent1"/>
+          </a:effectRef>
+          <a:fontRef idx="minor">
+            <a:schemeClr val="tx1"/>
+          </a:fontRef>
+        </p:style>
+      </p:cxnSp>
+      <p:sp>
+        <p:nvSpPr>
+          <p:cNvPr id="48" name="ZoneTexte 47"/>
+          <p:cNvSpPr txBox="1"/>
+          <p:nvPr/>
+        </p:nvSpPr>
+        <p:spPr>
+          <a:xfrm rot="21333230">
+            <a:off x="6564675" y="2362200"/>
+            <a:ext cx="540608" cy="369332"/>
+          </a:xfrm>
+          <a:prstGeom prst="rect">
+            <a:avLst/>
+          </a:prstGeom>
+          <a:noFill/>
+        </p:spPr>
+        <p:txBody>
+          <a:bodyPr wrap="none" rtlCol="0">
+            <a:spAutoFit/>
+          </a:bodyPr>
+          <a:lstStyle/>
+          <a:p>
+            <a:r>
+              <a:rPr lang="fr-FR" dirty="0" smtClean="0"/>
+              <a:t>SSH</a:t>
+            </a:r>
+            <a:endParaRPr lang="fr-FR" dirty="0"/>
+          </a:p>
+        </p:txBody>
+      </p:sp>
     </p:spTree>
   </p:cSld>
   <p:clrMapOvr>
@@ -49464,9 +49335,1031 @@
   <p:timing>
     <p:tnLst>
       <p:par>
-        <p:cTn id="1" dur="indefinite" restart="never" nodeType="tmRoot"/>
+        <p:cTn id="1" dur="indefinite" restart="never" nodeType="tmRoot">
+          <p:childTnLst>
+            <p:seq concurrent="1" nextAc="seek">
+              <p:cTn id="2" dur="indefinite" nodeType="mainSeq">
+                <p:childTnLst>
+                  <p:par>
+                    <p:cTn id="3" fill="hold">
+                      <p:stCondLst>
+                        <p:cond delay="indefinite"/>
+                      </p:stCondLst>
+                      <p:childTnLst>
+                        <p:par>
+                          <p:cTn id="4" fill="hold">
+                            <p:stCondLst>
+                              <p:cond delay="0"/>
+                            </p:stCondLst>
+                            <p:childTnLst>
+                              <p:par>
+                                <p:cTn id="5" presetID="22" presetClass="entr" presetSubtype="8" fill="hold" nodeType="clickEffect">
+                                  <p:stCondLst>
+                                    <p:cond delay="0"/>
+                                  </p:stCondLst>
+                                  <p:childTnLst>
+                                    <p:set>
+                                      <p:cBhvr>
+                                        <p:cTn id="6" dur="1" fill="hold">
+                                          <p:stCondLst>
+                                            <p:cond delay="0"/>
+                                          </p:stCondLst>
+                                        </p:cTn>
+                                        <p:tgtEl>
+                                          <p:spTgt spid="43"/>
+                                        </p:tgtEl>
+                                        <p:attrNameLst>
+                                          <p:attrName>style.visibility</p:attrName>
+                                        </p:attrNameLst>
+                                      </p:cBhvr>
+                                      <p:to>
+                                        <p:strVal val="visible"/>
+                                      </p:to>
+                                    </p:set>
+                                    <p:animEffect transition="in" filter="wipe(left)">
+                                      <p:cBhvr>
+                                        <p:cTn id="7" dur="500"/>
+                                        <p:tgtEl>
+                                          <p:spTgt spid="43"/>
+                                        </p:tgtEl>
+                                      </p:cBhvr>
+                                    </p:animEffect>
+                                  </p:childTnLst>
+                                </p:cTn>
+                              </p:par>
+                            </p:childTnLst>
+                          </p:cTn>
+                        </p:par>
+                        <p:par>
+                          <p:cTn id="8" fill="hold">
+                            <p:stCondLst>
+                              <p:cond delay="500"/>
+                            </p:stCondLst>
+                            <p:childTnLst>
+                              <p:par>
+                                <p:cTn id="9" presetID="10" presetClass="entr" presetSubtype="0" fill="hold" grpId="0" nodeType="afterEffect">
+                                  <p:stCondLst>
+                                    <p:cond delay="0"/>
+                                  </p:stCondLst>
+                                  <p:childTnLst>
+                                    <p:set>
+                                      <p:cBhvr>
+                                        <p:cTn id="10" dur="1" fill="hold">
+                                          <p:stCondLst>
+                                            <p:cond delay="0"/>
+                                          </p:stCondLst>
+                                        </p:cTn>
+                                        <p:tgtEl>
+                                          <p:spTgt spid="42"/>
+                                        </p:tgtEl>
+                                        <p:attrNameLst>
+                                          <p:attrName>style.visibility</p:attrName>
+                                        </p:attrNameLst>
+                                      </p:cBhvr>
+                                      <p:to>
+                                        <p:strVal val="visible"/>
+                                      </p:to>
+                                    </p:set>
+                                    <p:animEffect transition="in" filter="fade">
+                                      <p:cBhvr>
+                                        <p:cTn id="11" dur="500"/>
+                                        <p:tgtEl>
+                                          <p:spTgt spid="42"/>
+                                        </p:tgtEl>
+                                      </p:cBhvr>
+                                    </p:animEffect>
+                                  </p:childTnLst>
+                                </p:cTn>
+                              </p:par>
+                            </p:childTnLst>
+                          </p:cTn>
+                        </p:par>
+                      </p:childTnLst>
+                    </p:cTn>
+                  </p:par>
+                  <p:par>
+                    <p:cTn id="12" fill="hold">
+                      <p:stCondLst>
+                        <p:cond delay="indefinite"/>
+                      </p:stCondLst>
+                      <p:childTnLst>
+                        <p:par>
+                          <p:cTn id="13" fill="hold">
+                            <p:stCondLst>
+                              <p:cond delay="0"/>
+                            </p:stCondLst>
+                            <p:childTnLst>
+                              <p:par>
+                                <p:cTn id="14" presetID="10" presetClass="entr" presetSubtype="0" fill="hold" grpId="0" nodeType="clickEffect">
+                                  <p:stCondLst>
+                                    <p:cond delay="0"/>
+                                  </p:stCondLst>
+                                  <p:childTnLst>
+                                    <p:set>
+                                      <p:cBhvr>
+                                        <p:cTn id="15" dur="1" fill="hold">
+                                          <p:stCondLst>
+                                            <p:cond delay="0"/>
+                                          </p:stCondLst>
+                                        </p:cTn>
+                                        <p:tgtEl>
+                                          <p:spTgt spid="6"/>
+                                        </p:tgtEl>
+                                        <p:attrNameLst>
+                                          <p:attrName>style.visibility</p:attrName>
+                                        </p:attrNameLst>
+                                      </p:cBhvr>
+                                      <p:to>
+                                        <p:strVal val="visible"/>
+                                      </p:to>
+                                    </p:set>
+                                    <p:animEffect transition="in" filter="fade">
+                                      <p:cBhvr>
+                                        <p:cTn id="16" dur="500"/>
+                                        <p:tgtEl>
+                                          <p:spTgt spid="6"/>
+                                        </p:tgtEl>
+                                      </p:cBhvr>
+                                    </p:animEffect>
+                                  </p:childTnLst>
+                                </p:cTn>
+                              </p:par>
+                            </p:childTnLst>
+                          </p:cTn>
+                        </p:par>
+                        <p:par>
+                          <p:cTn id="17" fill="hold">
+                            <p:stCondLst>
+                              <p:cond delay="500"/>
+                            </p:stCondLst>
+                            <p:childTnLst>
+                              <p:par>
+                                <p:cTn id="18" presetID="22" presetClass="entr" presetSubtype="8" fill="hold" nodeType="afterEffect">
+                                  <p:stCondLst>
+                                    <p:cond delay="0"/>
+                                  </p:stCondLst>
+                                  <p:childTnLst>
+                                    <p:set>
+                                      <p:cBhvr>
+                                        <p:cTn id="19" dur="1" fill="hold">
+                                          <p:stCondLst>
+                                            <p:cond delay="0"/>
+                                          </p:stCondLst>
+                                        </p:cTn>
+                                        <p:tgtEl>
+                                          <p:spTgt spid="47"/>
+                                        </p:tgtEl>
+                                        <p:attrNameLst>
+                                          <p:attrName>style.visibility</p:attrName>
+                                        </p:attrNameLst>
+                                      </p:cBhvr>
+                                      <p:to>
+                                        <p:strVal val="visible"/>
+                                      </p:to>
+                                    </p:set>
+                                    <p:animEffect transition="in" filter="wipe(left)">
+                                      <p:cBhvr>
+                                        <p:cTn id="20" dur="500"/>
+                                        <p:tgtEl>
+                                          <p:spTgt spid="47"/>
+                                        </p:tgtEl>
+                                      </p:cBhvr>
+                                    </p:animEffect>
+                                  </p:childTnLst>
+                                </p:cTn>
+                              </p:par>
+                              <p:par>
+                                <p:cTn id="21" presetID="22" presetClass="entr" presetSubtype="8" fill="hold" grpId="0" nodeType="withEffect">
+                                  <p:stCondLst>
+                                    <p:cond delay="0"/>
+                                  </p:stCondLst>
+                                  <p:childTnLst>
+                                    <p:set>
+                                      <p:cBhvr>
+                                        <p:cTn id="22" dur="1" fill="hold">
+                                          <p:stCondLst>
+                                            <p:cond delay="0"/>
+                                          </p:stCondLst>
+                                        </p:cTn>
+                                        <p:tgtEl>
+                                          <p:spTgt spid="48"/>
+                                        </p:tgtEl>
+                                        <p:attrNameLst>
+                                          <p:attrName>style.visibility</p:attrName>
+                                        </p:attrNameLst>
+                                      </p:cBhvr>
+                                      <p:to>
+                                        <p:strVal val="visible"/>
+                                      </p:to>
+                                    </p:set>
+                                    <p:animEffect transition="in" filter="wipe(left)">
+                                      <p:cBhvr>
+                                        <p:cTn id="23" dur="500"/>
+                                        <p:tgtEl>
+                                          <p:spTgt spid="48"/>
+                                        </p:tgtEl>
+                                      </p:cBhvr>
+                                    </p:animEffect>
+                                  </p:childTnLst>
+                                </p:cTn>
+                              </p:par>
+                            </p:childTnLst>
+                          </p:cTn>
+                        </p:par>
+                        <p:par>
+                          <p:cTn id="24" fill="hold">
+                            <p:stCondLst>
+                              <p:cond delay="1000"/>
+                            </p:stCondLst>
+                            <p:childTnLst>
+                              <p:par>
+                                <p:cTn id="25" presetID="10" presetClass="exit" presetSubtype="0" fill="hold" nodeType="afterEffect">
+                                  <p:stCondLst>
+                                    <p:cond delay="0"/>
+                                  </p:stCondLst>
+                                  <p:childTnLst>
+                                    <p:animEffect transition="out" filter="fade">
+                                      <p:cBhvr>
+                                        <p:cTn id="26" dur="500"/>
+                                        <p:tgtEl>
+                                          <p:spTgt spid="47"/>
+                                        </p:tgtEl>
+                                      </p:cBhvr>
+                                    </p:animEffect>
+                                    <p:set>
+                                      <p:cBhvr>
+                                        <p:cTn id="27" dur="1" fill="hold">
+                                          <p:stCondLst>
+                                            <p:cond delay="499"/>
+                                          </p:stCondLst>
+                                        </p:cTn>
+                                        <p:tgtEl>
+                                          <p:spTgt spid="47"/>
+                                        </p:tgtEl>
+                                        <p:attrNameLst>
+                                          <p:attrName>style.visibility</p:attrName>
+                                        </p:attrNameLst>
+                                      </p:cBhvr>
+                                      <p:to>
+                                        <p:strVal val="hidden"/>
+                                      </p:to>
+                                    </p:set>
+                                  </p:childTnLst>
+                                </p:cTn>
+                              </p:par>
+                              <p:par>
+                                <p:cTn id="28" presetID="10" presetClass="exit" presetSubtype="0" fill="hold" grpId="1" nodeType="withEffect">
+                                  <p:stCondLst>
+                                    <p:cond delay="0"/>
+                                  </p:stCondLst>
+                                  <p:childTnLst>
+                                    <p:animEffect transition="out" filter="fade">
+                                      <p:cBhvr>
+                                        <p:cTn id="29" dur="500"/>
+                                        <p:tgtEl>
+                                          <p:spTgt spid="48"/>
+                                        </p:tgtEl>
+                                      </p:cBhvr>
+                                    </p:animEffect>
+                                    <p:set>
+                                      <p:cBhvr>
+                                        <p:cTn id="30" dur="1" fill="hold">
+                                          <p:stCondLst>
+                                            <p:cond delay="499"/>
+                                          </p:stCondLst>
+                                        </p:cTn>
+                                        <p:tgtEl>
+                                          <p:spTgt spid="48"/>
+                                        </p:tgtEl>
+                                        <p:attrNameLst>
+                                          <p:attrName>style.visibility</p:attrName>
+                                        </p:attrNameLst>
+                                      </p:cBhvr>
+                                      <p:to>
+                                        <p:strVal val="hidden"/>
+                                      </p:to>
+                                    </p:set>
+                                  </p:childTnLst>
+                                </p:cTn>
+                              </p:par>
+                            </p:childTnLst>
+                          </p:cTn>
+                        </p:par>
+                        <p:par>
+                          <p:cTn id="31" fill="hold">
+                            <p:stCondLst>
+                              <p:cond delay="1500"/>
+                            </p:stCondLst>
+                            <p:childTnLst>
+                              <p:par>
+                                <p:cTn id="32" presetID="22" presetClass="entr" presetSubtype="2" fill="hold" grpId="0" nodeType="afterEffect">
+                                  <p:stCondLst>
+                                    <p:cond delay="0"/>
+                                  </p:stCondLst>
+                                  <p:childTnLst>
+                                    <p:set>
+                                      <p:cBhvr>
+                                        <p:cTn id="33" dur="1" fill="hold">
+                                          <p:stCondLst>
+                                            <p:cond delay="0"/>
+                                          </p:stCondLst>
+                                        </p:cTn>
+                                        <p:tgtEl>
+                                          <p:spTgt spid="11"/>
+                                        </p:tgtEl>
+                                        <p:attrNameLst>
+                                          <p:attrName>style.visibility</p:attrName>
+                                        </p:attrNameLst>
+                                      </p:cBhvr>
+                                      <p:to>
+                                        <p:strVal val="visible"/>
+                                      </p:to>
+                                    </p:set>
+                                    <p:animEffect transition="in" filter="wipe(right)">
+                                      <p:cBhvr>
+                                        <p:cTn id="34" dur="500"/>
+                                        <p:tgtEl>
+                                          <p:spTgt spid="11"/>
+                                        </p:tgtEl>
+                                      </p:cBhvr>
+                                    </p:animEffect>
+                                  </p:childTnLst>
+                                </p:cTn>
+                              </p:par>
+                              <p:par>
+                                <p:cTn id="35" presetID="22" presetClass="entr" presetSubtype="2" fill="hold" nodeType="withEffect">
+                                  <p:stCondLst>
+                                    <p:cond delay="0"/>
+                                  </p:stCondLst>
+                                  <p:childTnLst>
+                                    <p:set>
+                                      <p:cBhvr>
+                                        <p:cTn id="36" dur="1" fill="hold">
+                                          <p:stCondLst>
+                                            <p:cond delay="0"/>
+                                          </p:stCondLst>
+                                        </p:cTn>
+                                        <p:tgtEl>
+                                          <p:spTgt spid="9"/>
+                                        </p:tgtEl>
+                                        <p:attrNameLst>
+                                          <p:attrName>style.visibility</p:attrName>
+                                        </p:attrNameLst>
+                                      </p:cBhvr>
+                                      <p:to>
+                                        <p:strVal val="visible"/>
+                                      </p:to>
+                                    </p:set>
+                                    <p:animEffect transition="in" filter="wipe(right)">
+                                      <p:cBhvr>
+                                        <p:cTn id="37" dur="500"/>
+                                        <p:tgtEl>
+                                          <p:spTgt spid="9"/>
+                                        </p:tgtEl>
+                                      </p:cBhvr>
+                                    </p:animEffect>
+                                  </p:childTnLst>
+                                </p:cTn>
+                              </p:par>
+                            </p:childTnLst>
+                          </p:cTn>
+                        </p:par>
+                      </p:childTnLst>
+                    </p:cTn>
+                  </p:par>
+                  <p:par>
+                    <p:cTn id="38" fill="hold">
+                      <p:stCondLst>
+                        <p:cond delay="indefinite"/>
+                      </p:stCondLst>
+                      <p:childTnLst>
+                        <p:par>
+                          <p:cTn id="39" fill="hold">
+                            <p:stCondLst>
+                              <p:cond delay="0"/>
+                            </p:stCondLst>
+                            <p:childTnLst>
+                              <p:par>
+                                <p:cTn id="40" presetID="22" presetClass="entr" presetSubtype="1" fill="hold" nodeType="clickEffect">
+                                  <p:stCondLst>
+                                    <p:cond delay="0"/>
+                                  </p:stCondLst>
+                                  <p:childTnLst>
+                                    <p:set>
+                                      <p:cBhvr>
+                                        <p:cTn id="41" dur="1" fill="hold">
+                                          <p:stCondLst>
+                                            <p:cond delay="0"/>
+                                          </p:stCondLst>
+                                        </p:cTn>
+                                        <p:tgtEl>
+                                          <p:spTgt spid="21"/>
+                                        </p:tgtEl>
+                                        <p:attrNameLst>
+                                          <p:attrName>style.visibility</p:attrName>
+                                        </p:attrNameLst>
+                                      </p:cBhvr>
+                                      <p:to>
+                                        <p:strVal val="visible"/>
+                                      </p:to>
+                                    </p:set>
+                                    <p:animEffect transition="in" filter="wipe(up)">
+                                      <p:cBhvr>
+                                        <p:cTn id="42" dur="500"/>
+                                        <p:tgtEl>
+                                          <p:spTgt spid="21"/>
+                                        </p:tgtEl>
+                                      </p:cBhvr>
+                                    </p:animEffect>
+                                  </p:childTnLst>
+                                </p:cTn>
+                              </p:par>
+                            </p:childTnLst>
+                          </p:cTn>
+                        </p:par>
+                        <p:par>
+                          <p:cTn id="43" fill="hold">
+                            <p:stCondLst>
+                              <p:cond delay="500"/>
+                            </p:stCondLst>
+                            <p:childTnLst>
+                              <p:par>
+                                <p:cTn id="44" presetID="10" presetClass="entr" presetSubtype="0" fill="hold" grpId="0" nodeType="afterEffect">
+                                  <p:stCondLst>
+                                    <p:cond delay="0"/>
+                                  </p:stCondLst>
+                                  <p:childTnLst>
+                                    <p:set>
+                                      <p:cBhvr>
+                                        <p:cTn id="45" dur="1" fill="hold">
+                                          <p:stCondLst>
+                                            <p:cond delay="0"/>
+                                          </p:stCondLst>
+                                        </p:cTn>
+                                        <p:tgtEl>
+                                          <p:spTgt spid="16"/>
+                                        </p:tgtEl>
+                                        <p:attrNameLst>
+                                          <p:attrName>style.visibility</p:attrName>
+                                        </p:attrNameLst>
+                                      </p:cBhvr>
+                                      <p:to>
+                                        <p:strVal val="visible"/>
+                                      </p:to>
+                                    </p:set>
+                                    <p:animEffect transition="in" filter="fade">
+                                      <p:cBhvr>
+                                        <p:cTn id="46" dur="500"/>
+                                        <p:tgtEl>
+                                          <p:spTgt spid="16"/>
+                                        </p:tgtEl>
+                                      </p:cBhvr>
+                                    </p:animEffect>
+                                  </p:childTnLst>
+                                </p:cTn>
+                              </p:par>
+                            </p:childTnLst>
+                          </p:cTn>
+                        </p:par>
+                        <p:par>
+                          <p:cTn id="47" fill="hold">
+                            <p:stCondLst>
+                              <p:cond delay="1000"/>
+                            </p:stCondLst>
+                            <p:childTnLst>
+                              <p:par>
+                                <p:cTn id="48" presetID="10" presetClass="entr" presetSubtype="0" fill="hold" nodeType="afterEffect">
+                                  <p:stCondLst>
+                                    <p:cond delay="0"/>
+                                  </p:stCondLst>
+                                  <p:childTnLst>
+                                    <p:set>
+                                      <p:cBhvr>
+                                        <p:cTn id="49" dur="1" fill="hold">
+                                          <p:stCondLst>
+                                            <p:cond delay="0"/>
+                                          </p:stCondLst>
+                                        </p:cTn>
+                                        <p:tgtEl>
+                                          <p:spTgt spid="29"/>
+                                        </p:tgtEl>
+                                        <p:attrNameLst>
+                                          <p:attrName>style.visibility</p:attrName>
+                                        </p:attrNameLst>
+                                      </p:cBhvr>
+                                      <p:to>
+                                        <p:strVal val="visible"/>
+                                      </p:to>
+                                    </p:set>
+                                    <p:animEffect transition="in" filter="fade">
+                                      <p:cBhvr>
+                                        <p:cTn id="50" dur="500"/>
+                                        <p:tgtEl>
+                                          <p:spTgt spid="29"/>
+                                        </p:tgtEl>
+                                      </p:cBhvr>
+                                    </p:animEffect>
+                                  </p:childTnLst>
+                                </p:cTn>
+                              </p:par>
+                            </p:childTnLst>
+                          </p:cTn>
+                        </p:par>
+                        <p:par>
+                          <p:cTn id="51" fill="hold">
+                            <p:stCondLst>
+                              <p:cond delay="1500"/>
+                            </p:stCondLst>
+                            <p:childTnLst>
+                              <p:par>
+                                <p:cTn id="52" presetID="22" presetClass="entr" presetSubtype="4" fill="hold" nodeType="afterEffect">
+                                  <p:stCondLst>
+                                    <p:cond delay="0"/>
+                                  </p:stCondLst>
+                                  <p:childTnLst>
+                                    <p:set>
+                                      <p:cBhvr>
+                                        <p:cTn id="53" dur="1" fill="hold">
+                                          <p:stCondLst>
+                                            <p:cond delay="0"/>
+                                          </p:stCondLst>
+                                        </p:cTn>
+                                        <p:tgtEl>
+                                          <p:spTgt spid="33"/>
+                                        </p:tgtEl>
+                                        <p:attrNameLst>
+                                          <p:attrName>style.visibility</p:attrName>
+                                        </p:attrNameLst>
+                                      </p:cBhvr>
+                                      <p:to>
+                                        <p:strVal val="visible"/>
+                                      </p:to>
+                                    </p:set>
+                                    <p:animEffect transition="in" filter="wipe(down)">
+                                      <p:cBhvr>
+                                        <p:cTn id="54" dur="500"/>
+                                        <p:tgtEl>
+                                          <p:spTgt spid="33"/>
+                                        </p:tgtEl>
+                                      </p:cBhvr>
+                                    </p:animEffect>
+                                  </p:childTnLst>
+                                </p:cTn>
+                              </p:par>
+                            </p:childTnLst>
+                          </p:cTn>
+                        </p:par>
+                        <p:par>
+                          <p:cTn id="55" fill="hold">
+                            <p:stCondLst>
+                              <p:cond delay="2000"/>
+                            </p:stCondLst>
+                            <p:childTnLst>
+                              <p:par>
+                                <p:cTn id="56" presetID="22" presetClass="entr" presetSubtype="4" fill="hold" grpId="0" nodeType="afterEffect">
+                                  <p:stCondLst>
+                                    <p:cond delay="0"/>
+                                  </p:stCondLst>
+                                  <p:childTnLst>
+                                    <p:set>
+                                      <p:cBhvr>
+                                        <p:cTn id="57" dur="1" fill="hold">
+                                          <p:stCondLst>
+                                            <p:cond delay="0"/>
+                                          </p:stCondLst>
+                                        </p:cTn>
+                                        <p:tgtEl>
+                                          <p:spTgt spid="26"/>
+                                        </p:tgtEl>
+                                        <p:attrNameLst>
+                                          <p:attrName>style.visibility</p:attrName>
+                                        </p:attrNameLst>
+                                      </p:cBhvr>
+                                      <p:to>
+                                        <p:strVal val="visible"/>
+                                      </p:to>
+                                    </p:set>
+                                    <p:animEffect transition="in" filter="wipe(down)">
+                                      <p:cBhvr>
+                                        <p:cTn id="58" dur="500"/>
+                                        <p:tgtEl>
+                                          <p:spTgt spid="26"/>
+                                        </p:tgtEl>
+                                      </p:cBhvr>
+                                    </p:animEffect>
+                                  </p:childTnLst>
+                                </p:cTn>
+                              </p:par>
+                            </p:childTnLst>
+                          </p:cTn>
+                        </p:par>
+                      </p:childTnLst>
+                    </p:cTn>
+                  </p:par>
+                  <p:par>
+                    <p:cTn id="59" fill="hold">
+                      <p:stCondLst>
+                        <p:cond delay="indefinite"/>
+                      </p:stCondLst>
+                      <p:childTnLst>
+                        <p:par>
+                          <p:cTn id="60" fill="hold">
+                            <p:stCondLst>
+                              <p:cond delay="0"/>
+                            </p:stCondLst>
+                            <p:childTnLst>
+                              <p:par>
+                                <p:cTn id="61" presetID="0" presetClass="path" presetSubtype="0" accel="50000" decel="50000" fill="hold" grpId="1" nodeType="clickEffect">
+                                  <p:stCondLst>
+                                    <p:cond delay="0"/>
+                                  </p:stCondLst>
+                                  <p:childTnLst>
+                                    <p:animMotion origin="layout" path="M -4.30907E-6 5.92318E-7 C -0.02885 -0.02175 -0.05755 -0.0435 -0.06059 -0.09903 C -0.06364 -0.15456 0.00658 -0.27765 -0.01795 -0.33295 C -0.04248 -0.38825 -0.16832 -0.41046 -0.20791 -0.43082 " pathEditMode="relative" rAng="0" ptsTypes="aaaA">
+                                      <p:cBhvr>
+                                        <p:cTn id="62" dur="2000" fill="hold"/>
+                                        <p:tgtEl>
+                                          <p:spTgt spid="26"/>
+                                        </p:tgtEl>
+                                        <p:attrNameLst>
+                                          <p:attrName>ppt_x</p:attrName>
+                                          <p:attrName>ppt_y</p:attrName>
+                                        </p:attrNameLst>
+                                      </p:cBhvr>
+                                      <p:rCtr x="-101" y="-215"/>
+                                    </p:animMotion>
+                                  </p:childTnLst>
+                                </p:cTn>
+                              </p:par>
+                              <p:par>
+                                <p:cTn id="63" presetID="10" presetClass="exit" presetSubtype="0" fill="hold" nodeType="withEffect">
+                                  <p:stCondLst>
+                                    <p:cond delay="0"/>
+                                  </p:stCondLst>
+                                  <p:childTnLst>
+                                    <p:animEffect transition="out" filter="fade">
+                                      <p:cBhvr>
+                                        <p:cTn id="64" dur="2000"/>
+                                        <p:tgtEl>
+                                          <p:spTgt spid="33"/>
+                                        </p:tgtEl>
+                                      </p:cBhvr>
+                                    </p:animEffect>
+                                    <p:set>
+                                      <p:cBhvr>
+                                        <p:cTn id="65" dur="1" fill="hold">
+                                          <p:stCondLst>
+                                            <p:cond delay="1999"/>
+                                          </p:stCondLst>
+                                        </p:cTn>
+                                        <p:tgtEl>
+                                          <p:spTgt spid="33"/>
+                                        </p:tgtEl>
+                                        <p:attrNameLst>
+                                          <p:attrName>style.visibility</p:attrName>
+                                        </p:attrNameLst>
+                                      </p:cBhvr>
+                                      <p:to>
+                                        <p:strVal val="hidden"/>
+                                      </p:to>
+                                    </p:set>
+                                  </p:childTnLst>
+                                </p:cTn>
+                              </p:par>
+                            </p:childTnLst>
+                          </p:cTn>
+                        </p:par>
+                      </p:childTnLst>
+                    </p:cTn>
+                  </p:par>
+                  <p:par>
+                    <p:cTn id="66" fill="hold">
+                      <p:stCondLst>
+                        <p:cond delay="indefinite"/>
+                      </p:stCondLst>
+                      <p:childTnLst>
+                        <p:par>
+                          <p:cTn id="67" fill="hold">
+                            <p:stCondLst>
+                              <p:cond delay="0"/>
+                            </p:stCondLst>
+                            <p:childTnLst>
+                              <p:par>
+                                <p:cTn id="68" presetID="10" presetClass="entr" presetSubtype="0" fill="hold" nodeType="clickEffect">
+                                  <p:stCondLst>
+                                    <p:cond delay="0"/>
+                                  </p:stCondLst>
+                                  <p:childTnLst>
+                                    <p:set>
+                                      <p:cBhvr>
+                                        <p:cTn id="69" dur="1" fill="hold">
+                                          <p:stCondLst>
+                                            <p:cond delay="0"/>
+                                          </p:stCondLst>
+                                        </p:cTn>
+                                        <p:tgtEl>
+                                          <p:spTgt spid="34"/>
+                                        </p:tgtEl>
+                                        <p:attrNameLst>
+                                          <p:attrName>style.visibility</p:attrName>
+                                        </p:attrNameLst>
+                                      </p:cBhvr>
+                                      <p:to>
+                                        <p:strVal val="visible"/>
+                                      </p:to>
+                                    </p:set>
+                                    <p:animEffect transition="in" filter="fade">
+                                      <p:cBhvr>
+                                        <p:cTn id="70" dur="500"/>
+                                        <p:tgtEl>
+                                          <p:spTgt spid="34"/>
+                                        </p:tgtEl>
+                                      </p:cBhvr>
+                                    </p:animEffect>
+                                  </p:childTnLst>
+                                </p:cTn>
+                              </p:par>
+                            </p:childTnLst>
+                          </p:cTn>
+                        </p:par>
+                      </p:childTnLst>
+                    </p:cTn>
+                  </p:par>
+                  <p:par>
+                    <p:cTn id="71" fill="hold">
+                      <p:stCondLst>
+                        <p:cond delay="indefinite"/>
+                      </p:stCondLst>
+                      <p:childTnLst>
+                        <p:par>
+                          <p:cTn id="72" fill="hold">
+                            <p:stCondLst>
+                              <p:cond delay="0"/>
+                            </p:stCondLst>
+                            <p:childTnLst>
+                              <p:par>
+                                <p:cTn id="73" presetID="17" presetClass="exit" presetSubtype="10" fill="hold" grpId="2" nodeType="clickEffect">
+                                  <p:stCondLst>
+                                    <p:cond delay="0"/>
+                                  </p:stCondLst>
+                                  <p:childTnLst>
+                                    <p:anim calcmode="lin" valueType="num">
+                                      <p:cBhvr>
+                                        <p:cTn id="74" dur="500"/>
+                                        <p:tgtEl>
+                                          <p:spTgt spid="26"/>
+                                        </p:tgtEl>
+                                        <p:attrNameLst>
+                                          <p:attrName>ppt_w</p:attrName>
+                                        </p:attrNameLst>
+                                      </p:cBhvr>
+                                      <p:tavLst>
+                                        <p:tav tm="0">
+                                          <p:val>
+                                            <p:strVal val="ppt_w"/>
+                                          </p:val>
+                                        </p:tav>
+                                        <p:tav tm="100000">
+                                          <p:val>
+                                            <p:fltVal val="0"/>
+                                          </p:val>
+                                        </p:tav>
+                                      </p:tavLst>
+                                    </p:anim>
+                                    <p:anim calcmode="lin" valueType="num">
+                                      <p:cBhvr>
+                                        <p:cTn id="75" dur="500"/>
+                                        <p:tgtEl>
+                                          <p:spTgt spid="26"/>
+                                        </p:tgtEl>
+                                        <p:attrNameLst>
+                                          <p:attrName>ppt_h</p:attrName>
+                                        </p:attrNameLst>
+                                      </p:cBhvr>
+                                      <p:tavLst>
+                                        <p:tav tm="0">
+                                          <p:val>
+                                            <p:strVal val="ppt_h"/>
+                                          </p:val>
+                                        </p:tav>
+                                        <p:tav tm="100000">
+                                          <p:val>
+                                            <p:strVal val="ppt_h"/>
+                                          </p:val>
+                                        </p:tav>
+                                      </p:tavLst>
+                                    </p:anim>
+                                    <p:set>
+                                      <p:cBhvr>
+                                        <p:cTn id="76" dur="1" fill="hold">
+                                          <p:stCondLst>
+                                            <p:cond delay="499"/>
+                                          </p:stCondLst>
+                                        </p:cTn>
+                                        <p:tgtEl>
+                                          <p:spTgt spid="26"/>
+                                        </p:tgtEl>
+                                        <p:attrNameLst>
+                                          <p:attrName>style.visibility</p:attrName>
+                                        </p:attrNameLst>
+                                      </p:cBhvr>
+                                      <p:to>
+                                        <p:strVal val="hidden"/>
+                                      </p:to>
+                                    </p:set>
+                                  </p:childTnLst>
+                                </p:cTn>
+                              </p:par>
+                              <p:par>
+                                <p:cTn id="77" presetID="17" presetClass="exit" presetSubtype="10" fill="hold" nodeType="withEffect">
+                                  <p:stCondLst>
+                                    <p:cond delay="0"/>
+                                  </p:stCondLst>
+                                  <p:childTnLst>
+                                    <p:anim calcmode="lin" valueType="num">
+                                      <p:cBhvr>
+                                        <p:cTn id="78" dur="500"/>
+                                        <p:tgtEl>
+                                          <p:spTgt spid="34"/>
+                                        </p:tgtEl>
+                                        <p:attrNameLst>
+                                          <p:attrName>ppt_w</p:attrName>
+                                        </p:attrNameLst>
+                                      </p:cBhvr>
+                                      <p:tavLst>
+                                        <p:tav tm="0">
+                                          <p:val>
+                                            <p:strVal val="ppt_w"/>
+                                          </p:val>
+                                        </p:tav>
+                                        <p:tav tm="100000">
+                                          <p:val>
+                                            <p:fltVal val="0"/>
+                                          </p:val>
+                                        </p:tav>
+                                      </p:tavLst>
+                                    </p:anim>
+                                    <p:anim calcmode="lin" valueType="num">
+                                      <p:cBhvr>
+                                        <p:cTn id="79" dur="500"/>
+                                        <p:tgtEl>
+                                          <p:spTgt spid="34"/>
+                                        </p:tgtEl>
+                                        <p:attrNameLst>
+                                          <p:attrName>ppt_h</p:attrName>
+                                        </p:attrNameLst>
+                                      </p:cBhvr>
+                                      <p:tavLst>
+                                        <p:tav tm="0">
+                                          <p:val>
+                                            <p:strVal val="ppt_h"/>
+                                          </p:val>
+                                        </p:tav>
+                                        <p:tav tm="100000">
+                                          <p:val>
+                                            <p:strVal val="ppt_h"/>
+                                          </p:val>
+                                        </p:tav>
+                                      </p:tavLst>
+                                    </p:anim>
+                                    <p:set>
+                                      <p:cBhvr>
+                                        <p:cTn id="80" dur="1" fill="hold">
+                                          <p:stCondLst>
+                                            <p:cond delay="499"/>
+                                          </p:stCondLst>
+                                        </p:cTn>
+                                        <p:tgtEl>
+                                          <p:spTgt spid="34"/>
+                                        </p:tgtEl>
+                                        <p:attrNameLst>
+                                          <p:attrName>style.visibility</p:attrName>
+                                        </p:attrNameLst>
+                                      </p:cBhvr>
+                                      <p:to>
+                                        <p:strVal val="hidden"/>
+                                      </p:to>
+                                    </p:set>
+                                  </p:childTnLst>
+                                </p:cTn>
+                              </p:par>
+                            </p:childTnLst>
+                          </p:cTn>
+                        </p:par>
+                        <p:par>
+                          <p:cTn id="81" fill="hold">
+                            <p:stCondLst>
+                              <p:cond delay="500"/>
+                            </p:stCondLst>
+                            <p:childTnLst>
+                              <p:par>
+                                <p:cTn id="82" presetID="10" presetClass="exit" presetSubtype="0" fill="hold" grpId="1" nodeType="afterEffect">
+                                  <p:stCondLst>
+                                    <p:cond delay="0"/>
+                                  </p:stCondLst>
+                                  <p:childTnLst>
+                                    <p:animEffect transition="out" filter="fade">
+                                      <p:cBhvr>
+                                        <p:cTn id="83" dur="500"/>
+                                        <p:tgtEl>
+                                          <p:spTgt spid="42"/>
+                                        </p:tgtEl>
+                                      </p:cBhvr>
+                                    </p:animEffect>
+                                    <p:set>
+                                      <p:cBhvr>
+                                        <p:cTn id="84" dur="1" fill="hold">
+                                          <p:stCondLst>
+                                            <p:cond delay="499"/>
+                                          </p:stCondLst>
+                                        </p:cTn>
+                                        <p:tgtEl>
+                                          <p:spTgt spid="42"/>
+                                        </p:tgtEl>
+                                        <p:attrNameLst>
+                                          <p:attrName>style.visibility</p:attrName>
+                                        </p:attrNameLst>
+                                      </p:cBhvr>
+                                      <p:to>
+                                        <p:strVal val="hidden"/>
+                                      </p:to>
+                                    </p:set>
+                                  </p:childTnLst>
+                                </p:cTn>
+                              </p:par>
+                              <p:par>
+                                <p:cTn id="85" presetID="10" presetClass="entr" presetSubtype="0" fill="hold" nodeType="withEffect">
+                                  <p:stCondLst>
+                                    <p:cond delay="0"/>
+                                  </p:stCondLst>
+                                  <p:childTnLst>
+                                    <p:set>
+                                      <p:cBhvr>
+                                        <p:cTn id="86" dur="1" fill="hold">
+                                          <p:stCondLst>
+                                            <p:cond delay="0"/>
+                                          </p:stCondLst>
+                                        </p:cTn>
+                                        <p:tgtEl>
+                                          <p:spTgt spid="54"/>
+                                        </p:tgtEl>
+                                        <p:attrNameLst>
+                                          <p:attrName>style.visibility</p:attrName>
+                                        </p:attrNameLst>
+                                      </p:cBhvr>
+                                      <p:to>
+                                        <p:strVal val="visible"/>
+                                      </p:to>
+                                    </p:set>
+                                    <p:animEffect transition="in" filter="fade">
+                                      <p:cBhvr>
+                                        <p:cTn id="87" dur="500"/>
+                                        <p:tgtEl>
+                                          <p:spTgt spid="54"/>
+                                        </p:tgtEl>
+                                      </p:cBhvr>
+                                    </p:animEffect>
+                                  </p:childTnLst>
+                                </p:cTn>
+                              </p:par>
+                            </p:childTnLst>
+                          </p:cTn>
+                        </p:par>
+                      </p:childTnLst>
+                    </p:cTn>
+                  </p:par>
+                </p:childTnLst>
+              </p:cTn>
+              <p:prevCondLst>
+                <p:cond evt="onPrev" delay="0">
+                  <p:tgtEl>
+                    <p:sldTgt/>
+                  </p:tgtEl>
+                </p:cond>
+              </p:prevCondLst>
+              <p:nextCondLst>
+                <p:cond evt="onNext" delay="0">
+                  <p:tgtEl>
+                    <p:sldTgt/>
+                  </p:tgtEl>
+                </p:cond>
+              </p:nextCondLst>
+            </p:seq>
+          </p:childTnLst>
+        </p:cTn>
       </p:par>
     </p:tnLst>
+    <p:bldLst>
+      <p:bldP spid="16" grpId="0" animBg="1"/>
+      <p:bldP spid="6" grpId="0" animBg="1"/>
+      <p:bldP spid="11" grpId="0"/>
+      <p:bldP spid="26" grpId="0" animBg="1"/>
+      <p:bldP spid="26" grpId="1" animBg="1"/>
+      <p:bldP spid="26" grpId="2" animBg="1"/>
+      <p:bldP spid="42" grpId="0" animBg="1"/>
+      <p:bldP spid="42" grpId="1" animBg="1"/>
+      <p:bldP spid="48" grpId="0"/>
+      <p:bldP spid="48" grpId="1"/>
+    </p:bldLst>
   </p:timing>
 </p:sld>
 </file>
